--- a/프론트엔드기초(PPT)/HTML5 2강_텍스트관련태그.pptx
+++ b/프론트엔드기초(PPT)/HTML5 2강_텍스트관련태그.pptx
@@ -10,10 +10,18 @@
     <p:sldId id="257" r:id="rId4"/>
     <p:sldId id="264" r:id="rId5"/>
     <p:sldId id="265" r:id="rId6"/>
-    <p:sldId id="266" r:id="rId7"/>
-    <p:sldId id="259" r:id="rId8"/>
-    <p:sldId id="260" r:id="rId9"/>
-    <p:sldId id="263" r:id="rId10"/>
+    <p:sldId id="267" r:id="rId7"/>
+    <p:sldId id="268" r:id="rId8"/>
+    <p:sldId id="269" r:id="rId9"/>
+    <p:sldId id="270" r:id="rId10"/>
+    <p:sldId id="271" r:id="rId11"/>
+    <p:sldId id="272" r:id="rId12"/>
+    <p:sldId id="266" r:id="rId13"/>
+    <p:sldId id="259" r:id="rId14"/>
+    <p:sldId id="273" r:id="rId15"/>
+    <p:sldId id="274" r:id="rId16"/>
+    <p:sldId id="260" r:id="rId17"/>
+    <p:sldId id="263" r:id="rId18"/>
   </p:sldIdLst>
   <p:sldSz cx="9144000" cy="6858000" type="screen4x3"/>
   <p:notesSz cx="6858000" cy="9144000"/>
@@ -296,7 +304,7 @@
           <a:p>
             <a:fld id="{FB30EDBD-1C2D-4C1E-B459-B60219FAB484}" type="datetimeFigureOut">
               <a:rPr lang="ko-KR" altLang="en-US" smtClean="0"/>
-              <a:t>2020-03-19</a:t>
+              <a:t>2020-09-07</a:t>
             </a:fld>
             <a:endParaRPr lang="ko-KR" altLang="en-US"/>
           </a:p>
@@ -461,7 +469,7 @@
           <a:p>
             <a:fld id="{FB30EDBD-1C2D-4C1E-B459-B60219FAB484}" type="datetimeFigureOut">
               <a:rPr lang="ko-KR" altLang="en-US" smtClean="0"/>
-              <a:t>2020-03-19</a:t>
+              <a:t>2020-09-07</a:t>
             </a:fld>
             <a:endParaRPr lang="ko-KR" altLang="en-US"/>
           </a:p>
@@ -636,7 +644,7 @@
           <a:p>
             <a:fld id="{FB30EDBD-1C2D-4C1E-B459-B60219FAB484}" type="datetimeFigureOut">
               <a:rPr lang="ko-KR" altLang="en-US" smtClean="0"/>
-              <a:t>2020-03-19</a:t>
+              <a:t>2020-09-07</a:t>
             </a:fld>
             <a:endParaRPr lang="ko-KR" altLang="en-US"/>
           </a:p>
@@ -801,7 +809,7 @@
           <a:p>
             <a:fld id="{FB30EDBD-1C2D-4C1E-B459-B60219FAB484}" type="datetimeFigureOut">
               <a:rPr lang="ko-KR" altLang="en-US" smtClean="0"/>
-              <a:t>2020-03-19</a:t>
+              <a:t>2020-09-07</a:t>
             </a:fld>
             <a:endParaRPr lang="ko-KR" altLang="en-US"/>
           </a:p>
@@ -1042,7 +1050,7 @@
           <a:p>
             <a:fld id="{FB30EDBD-1C2D-4C1E-B459-B60219FAB484}" type="datetimeFigureOut">
               <a:rPr lang="ko-KR" altLang="en-US" smtClean="0"/>
-              <a:t>2020-03-19</a:t>
+              <a:t>2020-09-07</a:t>
             </a:fld>
             <a:endParaRPr lang="ko-KR" altLang="en-US"/>
           </a:p>
@@ -1325,7 +1333,7 @@
           <a:p>
             <a:fld id="{FB30EDBD-1C2D-4C1E-B459-B60219FAB484}" type="datetimeFigureOut">
               <a:rPr lang="ko-KR" altLang="en-US" smtClean="0"/>
-              <a:t>2020-03-19</a:t>
+              <a:t>2020-09-07</a:t>
             </a:fld>
             <a:endParaRPr lang="ko-KR" altLang="en-US"/>
           </a:p>
@@ -1742,7 +1750,7 @@
           <a:p>
             <a:fld id="{FB30EDBD-1C2D-4C1E-B459-B60219FAB484}" type="datetimeFigureOut">
               <a:rPr lang="ko-KR" altLang="en-US" smtClean="0"/>
-              <a:t>2020-03-19</a:t>
+              <a:t>2020-09-07</a:t>
             </a:fld>
             <a:endParaRPr lang="ko-KR" altLang="en-US"/>
           </a:p>
@@ -1855,7 +1863,7 @@
           <a:p>
             <a:fld id="{FB30EDBD-1C2D-4C1E-B459-B60219FAB484}" type="datetimeFigureOut">
               <a:rPr lang="ko-KR" altLang="en-US" smtClean="0"/>
-              <a:t>2020-03-19</a:t>
+              <a:t>2020-09-07</a:t>
             </a:fld>
             <a:endParaRPr lang="ko-KR" altLang="en-US"/>
           </a:p>
@@ -1945,7 +1953,7 @@
           <a:p>
             <a:fld id="{FB30EDBD-1C2D-4C1E-B459-B60219FAB484}" type="datetimeFigureOut">
               <a:rPr lang="ko-KR" altLang="en-US" smtClean="0"/>
-              <a:t>2020-03-19</a:t>
+              <a:t>2020-09-07</a:t>
             </a:fld>
             <a:endParaRPr lang="ko-KR" altLang="en-US"/>
           </a:p>
@@ -2217,7 +2225,7 @@
           <a:p>
             <a:fld id="{FB30EDBD-1C2D-4C1E-B459-B60219FAB484}" type="datetimeFigureOut">
               <a:rPr lang="ko-KR" altLang="en-US" smtClean="0"/>
-              <a:t>2020-03-19</a:t>
+              <a:t>2020-09-07</a:t>
             </a:fld>
             <a:endParaRPr lang="ko-KR" altLang="en-US"/>
           </a:p>
@@ -2465,7 +2473,7 @@
           <a:p>
             <a:fld id="{FB30EDBD-1C2D-4C1E-B459-B60219FAB484}" type="datetimeFigureOut">
               <a:rPr lang="ko-KR" altLang="en-US" smtClean="0"/>
-              <a:t>2020-03-19</a:t>
+              <a:t>2020-09-07</a:t>
             </a:fld>
             <a:endParaRPr lang="ko-KR" altLang="en-US"/>
           </a:p>
@@ -2673,7 +2681,7 @@
           <a:p>
             <a:fld id="{FB30EDBD-1C2D-4C1E-B459-B60219FAB484}" type="datetimeFigureOut">
               <a:rPr lang="ko-KR" altLang="en-US" smtClean="0"/>
-              <a:t>2020-03-19</a:t>
+              <a:t>2020-09-07</a:t>
             </a:fld>
             <a:endParaRPr lang="ko-KR" altLang="en-US"/>
           </a:p>
@@ -3303,6 +3311,2705 @@
 </p:sld>
 </file>
 
+<file path=ppt/slides/slide10.xml><?xml version="1.0" encoding="utf-8"?>
+<p:sld xmlns:a="http://schemas.openxmlformats.org/drawingml/2006/main" xmlns:r="http://schemas.openxmlformats.org/officeDocument/2006/relationships" xmlns:p="http://schemas.openxmlformats.org/presentationml/2006/main">
+  <p:cSld>
+    <p:spTree>
+      <p:nvGrpSpPr>
+        <p:cNvPr id="1" name=""/>
+        <p:cNvGrpSpPr/>
+        <p:nvPr/>
+      </p:nvGrpSpPr>
+      <p:grpSpPr>
+        <a:xfrm>
+          <a:off x="0" y="0"/>
+          <a:ext cx="0" cy="0"/>
+          <a:chOff x="0" y="0"/>
+          <a:chExt cx="0" cy="0"/>
+        </a:xfrm>
+      </p:grpSpPr>
+      <p:sp>
+        <p:nvSpPr>
+          <p:cNvPr id="2" name="제목 1"/>
+          <p:cNvSpPr>
+            <a:spLocks noGrp="1"/>
+          </p:cNvSpPr>
+          <p:nvPr>
+            <p:ph type="ctrTitle"/>
+          </p:nvPr>
+        </p:nvSpPr>
+        <p:spPr>
+          <a:xfrm>
+            <a:off x="1385416" y="1844824"/>
+            <a:ext cx="7772400" cy="2376264"/>
+          </a:xfrm>
+        </p:spPr>
+        <p:txBody>
+          <a:bodyPr>
+            <a:normAutofit fontScale="90000"/>
+          </a:bodyPr>
+          <a:lstStyle/>
+          <a:p>
+            <a:pPr algn="l">
+              <a:tabLst>
+                <a:tab pos="2247900" algn="l"/>
+              </a:tabLst>
+            </a:pPr>
+            <a:r>
+              <a:rPr lang="en-US" altLang="ko-KR" sz="3600" dirty="0" smtClean="0">
+                <a:latin typeface="배달의민족 주아" pitchFamily="18" charset="-127"/>
+                <a:ea typeface="배달의민족 주아" pitchFamily="18" charset="-127"/>
+              </a:rPr>
+              <a:t>&lt;p</a:t>
+            </a:r>
+            <a:r>
+              <a:rPr lang="en-US" altLang="ko-KR" sz="3600" dirty="0" smtClean="0">
+                <a:latin typeface="배달의민족 주아" pitchFamily="18" charset="-127"/>
+                <a:ea typeface="배달의민족 주아" pitchFamily="18" charset="-127"/>
+              </a:rPr>
+              <a:t>&gt; </a:t>
+            </a:r>
+            <a:br>
+              <a:rPr lang="en-US" altLang="ko-KR" sz="3600" dirty="0" smtClean="0">
+                <a:latin typeface="배달의민족 주아" pitchFamily="18" charset="-127"/>
+                <a:ea typeface="배달의민족 주아" pitchFamily="18" charset="-127"/>
+              </a:rPr>
+            </a:br>
+            <a:r>
+              <a:rPr lang="en-US" altLang="ko-KR" sz="3600" dirty="0" smtClean="0">
+                <a:latin typeface="배달의민족 주아" pitchFamily="18" charset="-127"/>
+                <a:ea typeface="배달의민족 주아" pitchFamily="18" charset="-127"/>
+              </a:rPr>
+              <a:t>    </a:t>
+            </a:r>
+            <a:r>
+              <a:rPr lang="ko-KR" altLang="en-US" sz="3600" dirty="0" err="1" smtClean="0">
+                <a:latin typeface="배달의민족 주아" pitchFamily="18" charset="-127"/>
+                <a:ea typeface="배달의민족 주아" pitchFamily="18" charset="-127"/>
+              </a:rPr>
+              <a:t>다음줄로</a:t>
+            </a:r>
+            <a:r>
+              <a:rPr lang="ko-KR" altLang="en-US" sz="3600" dirty="0" smtClean="0">
+                <a:latin typeface="배달의민족 주아" pitchFamily="18" charset="-127"/>
+                <a:ea typeface="배달의민족 주아" pitchFamily="18" charset="-127"/>
+              </a:rPr>
+              <a:t> </a:t>
+            </a:r>
+            <a:r>
+              <a:rPr lang="ko-KR" altLang="en-US" sz="3600" dirty="0" err="1" smtClean="0">
+                <a:latin typeface="배달의민족 주아" pitchFamily="18" charset="-127"/>
+                <a:ea typeface="배달의민족 주아" pitchFamily="18" charset="-127"/>
+              </a:rPr>
+              <a:t>한칸</a:t>
+            </a:r>
+            <a:r>
+              <a:rPr lang="ko-KR" altLang="en-US" sz="3600" dirty="0" smtClean="0">
+                <a:latin typeface="배달의민족 주아" pitchFamily="18" charset="-127"/>
+                <a:ea typeface="배달의민족 주아" pitchFamily="18" charset="-127"/>
+              </a:rPr>
+              <a:t> 띄웁니다</a:t>
+            </a:r>
+            <a:r>
+              <a:rPr lang="en-US" altLang="ko-KR" sz="3600" dirty="0" smtClean="0">
+                <a:latin typeface="배달의민족 주아" pitchFamily="18" charset="-127"/>
+                <a:ea typeface="배달의민족 주아" pitchFamily="18" charset="-127"/>
+              </a:rPr>
+              <a:t>. &lt;</a:t>
+            </a:r>
+            <a:r>
+              <a:rPr lang="en-US" altLang="ko-KR" sz="3600" dirty="0" err="1" smtClean="0">
+                <a:latin typeface="배달의민족 주아" pitchFamily="18" charset="-127"/>
+                <a:ea typeface="배달의민족 주아" pitchFamily="18" charset="-127"/>
+              </a:rPr>
+              <a:t>br</a:t>
+            </a:r>
+            <a:r>
+              <a:rPr lang="en-US" altLang="ko-KR" sz="3600" dirty="0" smtClean="0">
+                <a:latin typeface="배달의민족 주아" pitchFamily="18" charset="-127"/>
+                <a:ea typeface="배달의민족 주아" pitchFamily="18" charset="-127"/>
+              </a:rPr>
+              <a:t>&gt;</a:t>
+            </a:r>
+            <a:br>
+              <a:rPr lang="en-US" altLang="ko-KR" sz="3600" dirty="0" smtClean="0">
+                <a:latin typeface="배달의민족 주아" pitchFamily="18" charset="-127"/>
+                <a:ea typeface="배달의민족 주아" pitchFamily="18" charset="-127"/>
+              </a:rPr>
+            </a:br>
+            <a:r>
+              <a:rPr lang="en-US" altLang="ko-KR" sz="3600" dirty="0" smtClean="0">
+                <a:latin typeface="배달의민족 주아" pitchFamily="18" charset="-127"/>
+                <a:ea typeface="배달의민족 주아" pitchFamily="18" charset="-127"/>
+              </a:rPr>
+              <a:t>    HTML</a:t>
+            </a:r>
+            <a:r>
+              <a:rPr lang="ko-KR" altLang="en-US" sz="3600" dirty="0" smtClean="0">
+                <a:latin typeface="배달의민족 주아" pitchFamily="18" charset="-127"/>
+                <a:ea typeface="배달의민족 주아" pitchFamily="18" charset="-127"/>
+              </a:rPr>
+              <a:t>은</a:t>
+            </a:r>
+            <a:r>
+              <a:rPr lang="en-US" altLang="ko-KR" sz="3600" dirty="0" smtClean="0">
+                <a:latin typeface="배달의민족 주아" pitchFamily="18" charset="-127"/>
+                <a:ea typeface="배달의민족 주아" pitchFamily="18" charset="-127"/>
+              </a:rPr>
+              <a:t> </a:t>
+            </a:r>
+            <a:r>
+              <a:rPr lang="ko-KR" altLang="en-US" sz="3600" dirty="0" smtClean="0">
+                <a:latin typeface="배달의민족 주아" pitchFamily="18" charset="-127"/>
+                <a:ea typeface="배달의민족 주아" pitchFamily="18" charset="-127"/>
+              </a:rPr>
+              <a:t>재미있다</a:t>
+            </a:r>
+            <a:r>
+              <a:rPr lang="en-US" altLang="ko-KR" sz="3600" dirty="0" smtClean="0">
+                <a:latin typeface="배달의민족 주아" pitchFamily="18" charset="-127"/>
+                <a:ea typeface="배달의민족 주아" pitchFamily="18" charset="-127"/>
+              </a:rPr>
+              <a:t>. &lt;</a:t>
+            </a:r>
+            <a:r>
+              <a:rPr lang="en-US" altLang="ko-KR" sz="3600" dirty="0" err="1" smtClean="0">
+                <a:latin typeface="배달의민족 주아" pitchFamily="18" charset="-127"/>
+                <a:ea typeface="배달의민족 주아" pitchFamily="18" charset="-127"/>
+              </a:rPr>
+              <a:t>br</a:t>
+            </a:r>
+            <a:r>
+              <a:rPr lang="en-US" altLang="ko-KR" sz="3600" dirty="0" smtClean="0">
+                <a:latin typeface="배달의민족 주아" pitchFamily="18" charset="-127"/>
+                <a:ea typeface="배달의민족 주아" pitchFamily="18" charset="-127"/>
+              </a:rPr>
+              <a:t>&gt;</a:t>
+            </a:r>
+            <a:br>
+              <a:rPr lang="en-US" altLang="ko-KR" sz="3600" dirty="0" smtClean="0">
+                <a:latin typeface="배달의민족 주아" pitchFamily="18" charset="-127"/>
+                <a:ea typeface="배달의민족 주아" pitchFamily="18" charset="-127"/>
+              </a:rPr>
+            </a:br>
+            <a:r>
+              <a:rPr lang="en-US" altLang="ko-KR" sz="3600" dirty="0" smtClean="0">
+                <a:latin typeface="배달의민족 주아" pitchFamily="18" charset="-127"/>
+                <a:ea typeface="배달의민족 주아" pitchFamily="18" charset="-127"/>
+              </a:rPr>
+              <a:t>    </a:t>
+            </a:r>
+            <a:r>
+              <a:rPr lang="ko-KR" altLang="en-US" sz="3600" dirty="0" smtClean="0">
+                <a:latin typeface="배달의민족 주아" pitchFamily="18" charset="-127"/>
+                <a:ea typeface="배달의민족 주아" pitchFamily="18" charset="-127"/>
+              </a:rPr>
+              <a:t>할만한 것 같아</a:t>
+            </a:r>
+            <a:r>
+              <a:rPr lang="en-US" altLang="ko-KR" sz="3600" dirty="0" smtClean="0">
+                <a:latin typeface="배달의민족 주아" pitchFamily="18" charset="-127"/>
+                <a:ea typeface="배달의민족 주아" pitchFamily="18" charset="-127"/>
+              </a:rPr>
+              <a:t>.</a:t>
+            </a:r>
+            <a:br>
+              <a:rPr lang="en-US" altLang="ko-KR" sz="3600" dirty="0" smtClean="0">
+                <a:latin typeface="배달의민족 주아" pitchFamily="18" charset="-127"/>
+                <a:ea typeface="배달의민족 주아" pitchFamily="18" charset="-127"/>
+              </a:rPr>
+            </a:br>
+            <a:r>
+              <a:rPr lang="en-US" altLang="ko-KR" sz="3600" dirty="0" smtClean="0">
+                <a:latin typeface="배달의민족 주아" pitchFamily="18" charset="-127"/>
+                <a:ea typeface="배달의민족 주아" pitchFamily="18" charset="-127"/>
+              </a:rPr>
+              <a:t>&lt;/</a:t>
+            </a:r>
+            <a:r>
+              <a:rPr lang="en-US" altLang="ko-KR" sz="3600" dirty="0" smtClean="0">
+                <a:latin typeface="배달의민족 주아" pitchFamily="18" charset="-127"/>
+                <a:ea typeface="배달의민족 주아" pitchFamily="18" charset="-127"/>
+              </a:rPr>
+              <a:t>p&gt;</a:t>
+            </a:r>
+            <a:endParaRPr lang="ko-KR" altLang="en-US" sz="3600" dirty="0">
+              <a:latin typeface="배달의민족 주아" pitchFamily="18" charset="-127"/>
+              <a:ea typeface="배달의민족 주아" pitchFamily="18" charset="-127"/>
+            </a:endParaRPr>
+          </a:p>
+        </p:txBody>
+      </p:sp>
+      <p:sp>
+        <p:nvSpPr>
+          <p:cNvPr id="4" name="제목 1"/>
+          <p:cNvSpPr txBox="1">
+            <a:spLocks/>
+          </p:cNvSpPr>
+          <p:nvPr/>
+        </p:nvSpPr>
+        <p:spPr>
+          <a:xfrm>
+            <a:off x="838200" y="4077072"/>
+            <a:ext cx="7772400" cy="1470025"/>
+          </a:xfrm>
+          <a:prstGeom prst="rect">
+            <a:avLst/>
+          </a:prstGeom>
+        </p:spPr>
+        <p:txBody>
+          <a:bodyPr vert="horz" lIns="91440" tIns="45720" rIns="91440" bIns="45720" rtlCol="0" anchor="ctr">
+            <a:normAutofit/>
+          </a:bodyPr>
+          <a:lstStyle>
+            <a:lvl1pPr algn="ctr" defTabSz="914400" rtl="0" eaLnBrk="1" latinLnBrk="1" hangingPunct="1">
+              <a:spcBef>
+                <a:spcPct val="0"/>
+              </a:spcBef>
+              <a:buNone/>
+              <a:defRPr sz="4400" kern="1200">
+                <a:solidFill>
+                  <a:schemeClr val="tx1"/>
+                </a:solidFill>
+                <a:latin typeface="+mj-lt"/>
+                <a:ea typeface="+mj-ea"/>
+                <a:cs typeface="+mj-cs"/>
+              </a:defRPr>
+            </a:lvl1pPr>
+          </a:lstStyle>
+          <a:p>
+            <a:r>
+              <a:rPr lang="ko-KR" altLang="en-US" sz="3600" dirty="0" smtClean="0">
+                <a:solidFill>
+                  <a:schemeClr val="accent5"/>
+                </a:solidFill>
+                <a:latin typeface="배달의민족 주아" pitchFamily="18" charset="-127"/>
+                <a:ea typeface="배달의민족 주아" pitchFamily="18" charset="-127"/>
+              </a:rPr>
+              <a:t>줄을 나눌 때</a:t>
+            </a:r>
+            <a:r>
+              <a:rPr lang="ko-KR" altLang="en-US" sz="3600" dirty="0" smtClean="0">
+                <a:latin typeface="배달의민족 주아" pitchFamily="18" charset="-127"/>
+                <a:ea typeface="배달의민족 주아" pitchFamily="18" charset="-127"/>
+              </a:rPr>
+              <a:t> 사용</a:t>
+            </a:r>
+            <a:endParaRPr lang="en-US" altLang="ko-KR" sz="3600" dirty="0" smtClean="0">
+              <a:latin typeface="배달의민족 주아" pitchFamily="18" charset="-127"/>
+              <a:ea typeface="배달의민족 주아" pitchFamily="18" charset="-127"/>
+            </a:endParaRPr>
+          </a:p>
+        </p:txBody>
+      </p:sp>
+      <p:sp>
+        <p:nvSpPr>
+          <p:cNvPr id="5" name="TextBox 4"/>
+          <p:cNvSpPr txBox="1"/>
+          <p:nvPr/>
+        </p:nvSpPr>
+        <p:spPr>
+          <a:xfrm>
+            <a:off x="6804248" y="6134813"/>
+            <a:ext cx="1838965" cy="369332"/>
+          </a:xfrm>
+          <a:prstGeom prst="rect">
+            <a:avLst/>
+          </a:prstGeom>
+          <a:noFill/>
+        </p:spPr>
+        <p:txBody>
+          <a:bodyPr wrap="none" rtlCol="0">
+            <a:spAutoFit/>
+          </a:bodyPr>
+          <a:lstStyle>
+            <a:defPPr>
+              <a:defRPr lang="ko-KR"/>
+            </a:defPPr>
+            <a:lvl1pPr marL="0" algn="l" defTabSz="914400" rtl="0" eaLnBrk="1" latinLnBrk="1" hangingPunct="1">
+              <a:defRPr sz="1800" kern="1200">
+                <a:solidFill>
+                  <a:schemeClr val="tx1"/>
+                </a:solidFill>
+                <a:latin typeface="+mn-lt"/>
+                <a:ea typeface="+mn-ea"/>
+                <a:cs typeface="+mn-cs"/>
+              </a:defRPr>
+            </a:lvl1pPr>
+            <a:lvl2pPr marL="457200" algn="l" defTabSz="914400" rtl="0" eaLnBrk="1" latinLnBrk="1" hangingPunct="1">
+              <a:defRPr sz="1800" kern="1200">
+                <a:solidFill>
+                  <a:schemeClr val="tx1"/>
+                </a:solidFill>
+                <a:latin typeface="+mn-lt"/>
+                <a:ea typeface="+mn-ea"/>
+                <a:cs typeface="+mn-cs"/>
+              </a:defRPr>
+            </a:lvl2pPr>
+            <a:lvl3pPr marL="914400" algn="l" defTabSz="914400" rtl="0" eaLnBrk="1" latinLnBrk="1" hangingPunct="1">
+              <a:defRPr sz="1800" kern="1200">
+                <a:solidFill>
+                  <a:schemeClr val="tx1"/>
+                </a:solidFill>
+                <a:latin typeface="+mn-lt"/>
+                <a:ea typeface="+mn-ea"/>
+                <a:cs typeface="+mn-cs"/>
+              </a:defRPr>
+            </a:lvl3pPr>
+            <a:lvl4pPr marL="1371600" algn="l" defTabSz="914400" rtl="0" eaLnBrk="1" latinLnBrk="1" hangingPunct="1">
+              <a:defRPr sz="1800" kern="1200">
+                <a:solidFill>
+                  <a:schemeClr val="tx1"/>
+                </a:solidFill>
+                <a:latin typeface="+mn-lt"/>
+                <a:ea typeface="+mn-ea"/>
+                <a:cs typeface="+mn-cs"/>
+              </a:defRPr>
+            </a:lvl4pPr>
+            <a:lvl5pPr marL="1828800" algn="l" defTabSz="914400" rtl="0" eaLnBrk="1" latinLnBrk="1" hangingPunct="1">
+              <a:defRPr sz="1800" kern="1200">
+                <a:solidFill>
+                  <a:schemeClr val="tx1"/>
+                </a:solidFill>
+                <a:latin typeface="+mn-lt"/>
+                <a:ea typeface="+mn-ea"/>
+                <a:cs typeface="+mn-cs"/>
+              </a:defRPr>
+            </a:lvl5pPr>
+            <a:lvl6pPr marL="2286000" algn="l" defTabSz="914400" rtl="0" eaLnBrk="1" latinLnBrk="1" hangingPunct="1">
+              <a:defRPr sz="1800" kern="1200">
+                <a:solidFill>
+                  <a:schemeClr val="tx1"/>
+                </a:solidFill>
+                <a:latin typeface="+mn-lt"/>
+                <a:ea typeface="+mn-ea"/>
+                <a:cs typeface="+mn-cs"/>
+              </a:defRPr>
+            </a:lvl6pPr>
+            <a:lvl7pPr marL="2743200" algn="l" defTabSz="914400" rtl="0" eaLnBrk="1" latinLnBrk="1" hangingPunct="1">
+              <a:defRPr sz="1800" kern="1200">
+                <a:solidFill>
+                  <a:schemeClr val="tx1"/>
+                </a:solidFill>
+                <a:latin typeface="+mn-lt"/>
+                <a:ea typeface="+mn-ea"/>
+                <a:cs typeface="+mn-cs"/>
+              </a:defRPr>
+            </a:lvl7pPr>
+            <a:lvl8pPr marL="3200400" algn="l" defTabSz="914400" rtl="0" eaLnBrk="1" latinLnBrk="1" hangingPunct="1">
+              <a:defRPr sz="1800" kern="1200">
+                <a:solidFill>
+                  <a:schemeClr val="tx1"/>
+                </a:solidFill>
+                <a:latin typeface="+mn-lt"/>
+                <a:ea typeface="+mn-ea"/>
+                <a:cs typeface="+mn-cs"/>
+              </a:defRPr>
+            </a:lvl8pPr>
+            <a:lvl9pPr marL="3657600" algn="l" defTabSz="914400" rtl="0" eaLnBrk="1" latinLnBrk="1" hangingPunct="1">
+              <a:defRPr sz="1800" kern="1200">
+                <a:solidFill>
+                  <a:schemeClr val="tx1"/>
+                </a:solidFill>
+                <a:latin typeface="+mn-lt"/>
+                <a:ea typeface="+mn-ea"/>
+                <a:cs typeface="+mn-cs"/>
+              </a:defRPr>
+            </a:lvl9pPr>
+          </a:lstStyle>
+          <a:p>
+            <a:r>
+              <a:rPr lang="en-US" altLang="ko-KR" dirty="0" smtClean="0">
+                <a:solidFill>
+                  <a:schemeClr val="accent5"/>
+                </a:solidFill>
+                <a:latin typeface="배달의민족 도현" pitchFamily="50" charset="-127"/>
+                <a:ea typeface="배달의민족 도현" pitchFamily="50" charset="-127"/>
+              </a:rPr>
+              <a:t>S</a:t>
+            </a:r>
+            <a:r>
+              <a:rPr lang="en-US" altLang="ko-KR" dirty="0" smtClean="0">
+                <a:latin typeface="배달의민족 도현" pitchFamily="50" charset="-127"/>
+                <a:ea typeface="배달의민족 도현" pitchFamily="50" charset="-127"/>
+              </a:rPr>
+              <a:t>TART</a:t>
+            </a:r>
+            <a:r>
+              <a:rPr lang="en-US" altLang="ko-KR" dirty="0" smtClean="0">
+                <a:solidFill>
+                  <a:schemeClr val="accent5"/>
+                </a:solidFill>
+                <a:latin typeface="배달의민족 도현" pitchFamily="50" charset="-127"/>
+                <a:ea typeface="배달의민족 도현" pitchFamily="50" charset="-127"/>
+              </a:rPr>
+              <a:t>C</a:t>
+            </a:r>
+            <a:r>
+              <a:rPr lang="en-US" altLang="ko-KR" dirty="0" smtClean="0">
+                <a:latin typeface="배달의민족 도현" pitchFamily="50" charset="-127"/>
+                <a:ea typeface="배달의민족 도현" pitchFamily="50" charset="-127"/>
+              </a:rPr>
+              <a:t>ODING</a:t>
+            </a:r>
+            <a:endParaRPr lang="ko-KR" altLang="en-US" dirty="0">
+              <a:latin typeface="배달의민족 도현" pitchFamily="50" charset="-127"/>
+              <a:ea typeface="배달의민족 도현" pitchFamily="50" charset="-127"/>
+            </a:endParaRPr>
+          </a:p>
+        </p:txBody>
+      </p:sp>
+    </p:spTree>
+    <p:extLst>
+      <p:ext uri="{BB962C8B-B14F-4D97-AF65-F5344CB8AC3E}">
+        <p14:creationId xmlns:p14="http://schemas.microsoft.com/office/powerpoint/2010/main" val="2694561472"/>
+      </p:ext>
+    </p:extLst>
+  </p:cSld>
+  <p:clrMapOvr>
+    <a:masterClrMapping/>
+  </p:clrMapOvr>
+  <p:timing>
+    <p:tnLst>
+      <p:par>
+        <p:cTn id="1" dur="indefinite" restart="never" nodeType="tmRoot">
+          <p:childTnLst>
+            <p:seq concurrent="1" nextAc="seek">
+              <p:cTn id="2" dur="indefinite" nodeType="mainSeq">
+                <p:childTnLst>
+                  <p:par>
+                    <p:cTn id="3" fill="hold">
+                      <p:stCondLst>
+                        <p:cond delay="indefinite"/>
+                      </p:stCondLst>
+                      <p:childTnLst>
+                        <p:par>
+                          <p:cTn id="4" fill="hold">
+                            <p:stCondLst>
+                              <p:cond delay="0"/>
+                            </p:stCondLst>
+                            <p:childTnLst>
+                              <p:par>
+                                <p:cTn id="5" presetID="10" presetClass="entr" presetSubtype="0" fill="hold" grpId="0" nodeType="clickEffect">
+                                  <p:stCondLst>
+                                    <p:cond delay="0"/>
+                                  </p:stCondLst>
+                                  <p:childTnLst>
+                                    <p:set>
+                                      <p:cBhvr>
+                                        <p:cTn id="6" dur="1" fill="hold">
+                                          <p:stCondLst>
+                                            <p:cond delay="0"/>
+                                          </p:stCondLst>
+                                        </p:cTn>
+                                        <p:tgtEl>
+                                          <p:spTgt spid="4"/>
+                                        </p:tgtEl>
+                                        <p:attrNameLst>
+                                          <p:attrName>style.visibility</p:attrName>
+                                        </p:attrNameLst>
+                                      </p:cBhvr>
+                                      <p:to>
+                                        <p:strVal val="visible"/>
+                                      </p:to>
+                                    </p:set>
+                                    <p:animEffect transition="in" filter="fade">
+                                      <p:cBhvr>
+                                        <p:cTn id="7" dur="500"/>
+                                        <p:tgtEl>
+                                          <p:spTgt spid="4"/>
+                                        </p:tgtEl>
+                                      </p:cBhvr>
+                                    </p:animEffect>
+                                  </p:childTnLst>
+                                </p:cTn>
+                              </p:par>
+                            </p:childTnLst>
+                          </p:cTn>
+                        </p:par>
+                      </p:childTnLst>
+                    </p:cTn>
+                  </p:par>
+                </p:childTnLst>
+              </p:cTn>
+              <p:prevCondLst>
+                <p:cond evt="onPrev" delay="0">
+                  <p:tgtEl>
+                    <p:sldTgt/>
+                  </p:tgtEl>
+                </p:cond>
+              </p:prevCondLst>
+              <p:nextCondLst>
+                <p:cond evt="onNext" delay="0">
+                  <p:tgtEl>
+                    <p:sldTgt/>
+                  </p:tgtEl>
+                </p:cond>
+              </p:nextCondLst>
+            </p:seq>
+          </p:childTnLst>
+        </p:cTn>
+      </p:par>
+    </p:tnLst>
+    <p:bldLst>
+      <p:bldP spid="4" grpId="0"/>
+    </p:bldLst>
+  </p:timing>
+</p:sld>
+</file>
+
+<file path=ppt/slides/slide11.xml><?xml version="1.0" encoding="utf-8"?>
+<p:sld xmlns:a="http://schemas.openxmlformats.org/drawingml/2006/main" xmlns:r="http://schemas.openxmlformats.org/officeDocument/2006/relationships" xmlns:p="http://schemas.openxmlformats.org/presentationml/2006/main">
+  <p:cSld>
+    <p:spTree>
+      <p:nvGrpSpPr>
+        <p:cNvPr id="1" name=""/>
+        <p:cNvGrpSpPr/>
+        <p:nvPr/>
+      </p:nvGrpSpPr>
+      <p:grpSpPr>
+        <a:xfrm>
+          <a:off x="0" y="0"/>
+          <a:ext cx="0" cy="0"/>
+          <a:chOff x="0" y="0"/>
+          <a:chExt cx="0" cy="0"/>
+        </a:xfrm>
+      </p:grpSpPr>
+      <p:sp>
+        <p:nvSpPr>
+          <p:cNvPr id="2" name="제목 1"/>
+          <p:cNvSpPr>
+            <a:spLocks noGrp="1"/>
+          </p:cNvSpPr>
+          <p:nvPr>
+            <p:ph type="ctrTitle"/>
+          </p:nvPr>
+        </p:nvSpPr>
+        <p:spPr>
+          <a:xfrm>
+            <a:off x="1385416" y="1844824"/>
+            <a:ext cx="7772400" cy="2376264"/>
+          </a:xfrm>
+        </p:spPr>
+        <p:txBody>
+          <a:bodyPr>
+            <a:normAutofit/>
+          </a:bodyPr>
+          <a:lstStyle/>
+          <a:p>
+            <a:pPr algn="l">
+              <a:tabLst>
+                <a:tab pos="2247900" algn="l"/>
+              </a:tabLst>
+            </a:pPr>
+            <a:r>
+              <a:rPr lang="en-US" altLang="ko-KR" sz="3600" dirty="0" smtClean="0">
+                <a:latin typeface="배달의민족 주아" pitchFamily="18" charset="-127"/>
+                <a:ea typeface="배달의민족 주아" pitchFamily="18" charset="-127"/>
+              </a:rPr>
+              <a:t>&lt;p</a:t>
+            </a:r>
+            <a:r>
+              <a:rPr lang="en-US" altLang="ko-KR" sz="3600" dirty="0" smtClean="0">
+                <a:latin typeface="배달의민족 주아" pitchFamily="18" charset="-127"/>
+                <a:ea typeface="배달의민족 주아" pitchFamily="18" charset="-127"/>
+              </a:rPr>
+              <a:t>&gt; </a:t>
+            </a:r>
+            <a:r>
+              <a:rPr lang="ko-KR" altLang="en-US" sz="3600" dirty="0" smtClean="0">
+                <a:latin typeface="배달의민족 주아" pitchFamily="18" charset="-127"/>
+                <a:ea typeface="배달의민족 주아" pitchFamily="18" charset="-127"/>
+              </a:rPr>
+              <a:t>아래 내용과 구분하고 싶어요</a:t>
+            </a:r>
+            <a:r>
+              <a:rPr lang="en-US" altLang="ko-KR" sz="3600" dirty="0" smtClean="0">
+                <a:latin typeface="배달의민족 주아" pitchFamily="18" charset="-127"/>
+                <a:ea typeface="배달의민족 주아" pitchFamily="18" charset="-127"/>
+              </a:rPr>
+              <a:t>.&lt;/</a:t>
+            </a:r>
+            <a:r>
+              <a:rPr lang="en-US" altLang="ko-KR" sz="3600" dirty="0" smtClean="0">
+                <a:latin typeface="배달의민족 주아" pitchFamily="18" charset="-127"/>
+                <a:ea typeface="배달의민족 주아" pitchFamily="18" charset="-127"/>
+              </a:rPr>
+              <a:t>p</a:t>
+            </a:r>
+            <a:r>
+              <a:rPr lang="en-US" altLang="ko-KR" sz="3600" dirty="0" smtClean="0">
+                <a:latin typeface="배달의민족 주아" pitchFamily="18" charset="-127"/>
+                <a:ea typeface="배달의민족 주아" pitchFamily="18" charset="-127"/>
+              </a:rPr>
+              <a:t>&gt;</a:t>
+            </a:r>
+            <a:br>
+              <a:rPr lang="en-US" altLang="ko-KR" sz="3600" dirty="0" smtClean="0">
+                <a:latin typeface="배달의민족 주아" pitchFamily="18" charset="-127"/>
+                <a:ea typeface="배달의민족 주아" pitchFamily="18" charset="-127"/>
+              </a:rPr>
+            </a:br>
+            <a:r>
+              <a:rPr lang="en-US" altLang="ko-KR" sz="3600" dirty="0" smtClean="0">
+                <a:latin typeface="배달의민족 주아" pitchFamily="18" charset="-127"/>
+                <a:ea typeface="배달의민족 주아" pitchFamily="18" charset="-127"/>
+              </a:rPr>
+              <a:t>&lt;</a:t>
+            </a:r>
+            <a:r>
+              <a:rPr lang="en-US" altLang="ko-KR" sz="3600" dirty="0" err="1" smtClean="0">
+                <a:latin typeface="배달의민족 주아" pitchFamily="18" charset="-127"/>
+                <a:ea typeface="배달의민족 주아" pitchFamily="18" charset="-127"/>
+              </a:rPr>
+              <a:t>hr</a:t>
+            </a:r>
+            <a:r>
+              <a:rPr lang="en-US" altLang="ko-KR" sz="3600" dirty="0" smtClean="0">
+                <a:latin typeface="배달의민족 주아" pitchFamily="18" charset="-127"/>
+                <a:ea typeface="배달의민족 주아" pitchFamily="18" charset="-127"/>
+              </a:rPr>
+              <a:t>&gt;</a:t>
+            </a:r>
+            <a:br>
+              <a:rPr lang="en-US" altLang="ko-KR" sz="3600" dirty="0" smtClean="0">
+                <a:latin typeface="배달의민족 주아" pitchFamily="18" charset="-127"/>
+                <a:ea typeface="배달의민족 주아" pitchFamily="18" charset="-127"/>
+              </a:rPr>
+            </a:br>
+            <a:r>
+              <a:rPr lang="en-US" altLang="ko-KR" sz="3600" dirty="0" smtClean="0">
+                <a:latin typeface="배달의민족 주아" pitchFamily="18" charset="-127"/>
+                <a:ea typeface="배달의민족 주아" pitchFamily="18" charset="-127"/>
+              </a:rPr>
+              <a:t>&lt;p&gt; </a:t>
+            </a:r>
+            <a:r>
+              <a:rPr lang="ko-KR" altLang="en-US" sz="3600" dirty="0" smtClean="0">
+                <a:latin typeface="배달의민족 주아" pitchFamily="18" charset="-127"/>
+                <a:ea typeface="배달의민족 주아" pitchFamily="18" charset="-127"/>
+              </a:rPr>
+              <a:t>새로운 내용입니다</a:t>
+            </a:r>
+            <a:r>
+              <a:rPr lang="en-US" altLang="ko-KR" sz="3600" dirty="0" smtClean="0">
+                <a:latin typeface="배달의민족 주아" pitchFamily="18" charset="-127"/>
+                <a:ea typeface="배달의민족 주아" pitchFamily="18" charset="-127"/>
+              </a:rPr>
+              <a:t>.&lt;/p&gt;</a:t>
+            </a:r>
+            <a:endParaRPr lang="ko-KR" altLang="en-US" sz="3600" dirty="0">
+              <a:latin typeface="배달의민족 주아" pitchFamily="18" charset="-127"/>
+              <a:ea typeface="배달의민족 주아" pitchFamily="18" charset="-127"/>
+            </a:endParaRPr>
+          </a:p>
+        </p:txBody>
+      </p:sp>
+      <p:sp>
+        <p:nvSpPr>
+          <p:cNvPr id="4" name="제목 1"/>
+          <p:cNvSpPr txBox="1">
+            <a:spLocks/>
+          </p:cNvSpPr>
+          <p:nvPr/>
+        </p:nvSpPr>
+        <p:spPr>
+          <a:xfrm>
+            <a:off x="838200" y="4077072"/>
+            <a:ext cx="7772400" cy="1470025"/>
+          </a:xfrm>
+          <a:prstGeom prst="rect">
+            <a:avLst/>
+          </a:prstGeom>
+        </p:spPr>
+        <p:txBody>
+          <a:bodyPr vert="horz" lIns="91440" tIns="45720" rIns="91440" bIns="45720" rtlCol="0" anchor="ctr">
+            <a:normAutofit/>
+          </a:bodyPr>
+          <a:lstStyle>
+            <a:lvl1pPr algn="ctr" defTabSz="914400" rtl="0" eaLnBrk="1" latinLnBrk="1" hangingPunct="1">
+              <a:spcBef>
+                <a:spcPct val="0"/>
+              </a:spcBef>
+              <a:buNone/>
+              <a:defRPr sz="4400" kern="1200">
+                <a:solidFill>
+                  <a:schemeClr val="tx1"/>
+                </a:solidFill>
+                <a:latin typeface="+mj-lt"/>
+                <a:ea typeface="+mj-ea"/>
+                <a:cs typeface="+mj-cs"/>
+              </a:defRPr>
+            </a:lvl1pPr>
+          </a:lstStyle>
+          <a:p>
+            <a:r>
+              <a:rPr lang="ko-KR" altLang="en-US" sz="3600" dirty="0" smtClean="0">
+                <a:solidFill>
+                  <a:schemeClr val="accent5"/>
+                </a:solidFill>
+                <a:latin typeface="배달의민족 주아" pitchFamily="18" charset="-127"/>
+                <a:ea typeface="배달의민족 주아" pitchFamily="18" charset="-127"/>
+              </a:rPr>
+              <a:t>수평선을 </a:t>
+            </a:r>
+            <a:r>
+              <a:rPr lang="ko-KR" altLang="en-US" sz="3600" dirty="0" smtClean="0">
+                <a:latin typeface="배달의민족 주아" pitchFamily="18" charset="-127"/>
+                <a:ea typeface="배달의민족 주아" pitchFamily="18" charset="-127"/>
+              </a:rPr>
+              <a:t>표현할 때 </a:t>
+            </a:r>
+            <a:r>
+              <a:rPr lang="ko-KR" altLang="en-US" sz="3600" dirty="0" smtClean="0">
+                <a:latin typeface="배달의민족 주아" pitchFamily="18" charset="-127"/>
+                <a:ea typeface="배달의민족 주아" pitchFamily="18" charset="-127"/>
+              </a:rPr>
+              <a:t>사용</a:t>
+            </a:r>
+            <a:endParaRPr lang="en-US" altLang="ko-KR" sz="3600" dirty="0" smtClean="0">
+              <a:latin typeface="배달의민족 주아" pitchFamily="18" charset="-127"/>
+              <a:ea typeface="배달의민족 주아" pitchFamily="18" charset="-127"/>
+            </a:endParaRPr>
+          </a:p>
+        </p:txBody>
+      </p:sp>
+      <p:sp>
+        <p:nvSpPr>
+          <p:cNvPr id="5" name="TextBox 4"/>
+          <p:cNvSpPr txBox="1"/>
+          <p:nvPr/>
+        </p:nvSpPr>
+        <p:spPr>
+          <a:xfrm>
+            <a:off x="6804248" y="6134813"/>
+            <a:ext cx="1838965" cy="369332"/>
+          </a:xfrm>
+          <a:prstGeom prst="rect">
+            <a:avLst/>
+          </a:prstGeom>
+          <a:noFill/>
+        </p:spPr>
+        <p:txBody>
+          <a:bodyPr wrap="none" rtlCol="0">
+            <a:spAutoFit/>
+          </a:bodyPr>
+          <a:lstStyle>
+            <a:defPPr>
+              <a:defRPr lang="ko-KR"/>
+            </a:defPPr>
+            <a:lvl1pPr marL="0" algn="l" defTabSz="914400" rtl="0" eaLnBrk="1" latinLnBrk="1" hangingPunct="1">
+              <a:defRPr sz="1800" kern="1200">
+                <a:solidFill>
+                  <a:schemeClr val="tx1"/>
+                </a:solidFill>
+                <a:latin typeface="+mn-lt"/>
+                <a:ea typeface="+mn-ea"/>
+                <a:cs typeface="+mn-cs"/>
+              </a:defRPr>
+            </a:lvl1pPr>
+            <a:lvl2pPr marL="457200" algn="l" defTabSz="914400" rtl="0" eaLnBrk="1" latinLnBrk="1" hangingPunct="1">
+              <a:defRPr sz="1800" kern="1200">
+                <a:solidFill>
+                  <a:schemeClr val="tx1"/>
+                </a:solidFill>
+                <a:latin typeface="+mn-lt"/>
+                <a:ea typeface="+mn-ea"/>
+                <a:cs typeface="+mn-cs"/>
+              </a:defRPr>
+            </a:lvl2pPr>
+            <a:lvl3pPr marL="914400" algn="l" defTabSz="914400" rtl="0" eaLnBrk="1" latinLnBrk="1" hangingPunct="1">
+              <a:defRPr sz="1800" kern="1200">
+                <a:solidFill>
+                  <a:schemeClr val="tx1"/>
+                </a:solidFill>
+                <a:latin typeface="+mn-lt"/>
+                <a:ea typeface="+mn-ea"/>
+                <a:cs typeface="+mn-cs"/>
+              </a:defRPr>
+            </a:lvl3pPr>
+            <a:lvl4pPr marL="1371600" algn="l" defTabSz="914400" rtl="0" eaLnBrk="1" latinLnBrk="1" hangingPunct="1">
+              <a:defRPr sz="1800" kern="1200">
+                <a:solidFill>
+                  <a:schemeClr val="tx1"/>
+                </a:solidFill>
+                <a:latin typeface="+mn-lt"/>
+                <a:ea typeface="+mn-ea"/>
+                <a:cs typeface="+mn-cs"/>
+              </a:defRPr>
+            </a:lvl4pPr>
+            <a:lvl5pPr marL="1828800" algn="l" defTabSz="914400" rtl="0" eaLnBrk="1" latinLnBrk="1" hangingPunct="1">
+              <a:defRPr sz="1800" kern="1200">
+                <a:solidFill>
+                  <a:schemeClr val="tx1"/>
+                </a:solidFill>
+                <a:latin typeface="+mn-lt"/>
+                <a:ea typeface="+mn-ea"/>
+                <a:cs typeface="+mn-cs"/>
+              </a:defRPr>
+            </a:lvl5pPr>
+            <a:lvl6pPr marL="2286000" algn="l" defTabSz="914400" rtl="0" eaLnBrk="1" latinLnBrk="1" hangingPunct="1">
+              <a:defRPr sz="1800" kern="1200">
+                <a:solidFill>
+                  <a:schemeClr val="tx1"/>
+                </a:solidFill>
+                <a:latin typeface="+mn-lt"/>
+                <a:ea typeface="+mn-ea"/>
+                <a:cs typeface="+mn-cs"/>
+              </a:defRPr>
+            </a:lvl6pPr>
+            <a:lvl7pPr marL="2743200" algn="l" defTabSz="914400" rtl="0" eaLnBrk="1" latinLnBrk="1" hangingPunct="1">
+              <a:defRPr sz="1800" kern="1200">
+                <a:solidFill>
+                  <a:schemeClr val="tx1"/>
+                </a:solidFill>
+                <a:latin typeface="+mn-lt"/>
+                <a:ea typeface="+mn-ea"/>
+                <a:cs typeface="+mn-cs"/>
+              </a:defRPr>
+            </a:lvl7pPr>
+            <a:lvl8pPr marL="3200400" algn="l" defTabSz="914400" rtl="0" eaLnBrk="1" latinLnBrk="1" hangingPunct="1">
+              <a:defRPr sz="1800" kern="1200">
+                <a:solidFill>
+                  <a:schemeClr val="tx1"/>
+                </a:solidFill>
+                <a:latin typeface="+mn-lt"/>
+                <a:ea typeface="+mn-ea"/>
+                <a:cs typeface="+mn-cs"/>
+              </a:defRPr>
+            </a:lvl8pPr>
+            <a:lvl9pPr marL="3657600" algn="l" defTabSz="914400" rtl="0" eaLnBrk="1" latinLnBrk="1" hangingPunct="1">
+              <a:defRPr sz="1800" kern="1200">
+                <a:solidFill>
+                  <a:schemeClr val="tx1"/>
+                </a:solidFill>
+                <a:latin typeface="+mn-lt"/>
+                <a:ea typeface="+mn-ea"/>
+                <a:cs typeface="+mn-cs"/>
+              </a:defRPr>
+            </a:lvl9pPr>
+          </a:lstStyle>
+          <a:p>
+            <a:r>
+              <a:rPr lang="en-US" altLang="ko-KR" dirty="0" smtClean="0">
+                <a:solidFill>
+                  <a:schemeClr val="accent5"/>
+                </a:solidFill>
+                <a:latin typeface="배달의민족 도현" pitchFamily="50" charset="-127"/>
+                <a:ea typeface="배달의민족 도현" pitchFamily="50" charset="-127"/>
+              </a:rPr>
+              <a:t>S</a:t>
+            </a:r>
+            <a:r>
+              <a:rPr lang="en-US" altLang="ko-KR" dirty="0" smtClean="0">
+                <a:latin typeface="배달의민족 도현" pitchFamily="50" charset="-127"/>
+                <a:ea typeface="배달의민족 도현" pitchFamily="50" charset="-127"/>
+              </a:rPr>
+              <a:t>TART</a:t>
+            </a:r>
+            <a:r>
+              <a:rPr lang="en-US" altLang="ko-KR" dirty="0" smtClean="0">
+                <a:solidFill>
+                  <a:schemeClr val="accent5"/>
+                </a:solidFill>
+                <a:latin typeface="배달의민족 도현" pitchFamily="50" charset="-127"/>
+                <a:ea typeface="배달의민족 도현" pitchFamily="50" charset="-127"/>
+              </a:rPr>
+              <a:t>C</a:t>
+            </a:r>
+            <a:r>
+              <a:rPr lang="en-US" altLang="ko-KR" dirty="0" smtClean="0">
+                <a:latin typeface="배달의민족 도현" pitchFamily="50" charset="-127"/>
+                <a:ea typeface="배달의민족 도현" pitchFamily="50" charset="-127"/>
+              </a:rPr>
+              <a:t>ODING</a:t>
+            </a:r>
+            <a:endParaRPr lang="ko-KR" altLang="en-US" dirty="0">
+              <a:latin typeface="배달의민족 도현" pitchFamily="50" charset="-127"/>
+              <a:ea typeface="배달의민족 도현" pitchFamily="50" charset="-127"/>
+            </a:endParaRPr>
+          </a:p>
+        </p:txBody>
+      </p:sp>
+    </p:spTree>
+    <p:extLst>
+      <p:ext uri="{BB962C8B-B14F-4D97-AF65-F5344CB8AC3E}">
+        <p14:creationId xmlns:p14="http://schemas.microsoft.com/office/powerpoint/2010/main" val="1778456426"/>
+      </p:ext>
+    </p:extLst>
+  </p:cSld>
+  <p:clrMapOvr>
+    <a:masterClrMapping/>
+  </p:clrMapOvr>
+  <p:timing>
+    <p:tnLst>
+      <p:par>
+        <p:cTn id="1" dur="indefinite" restart="never" nodeType="tmRoot">
+          <p:childTnLst>
+            <p:seq concurrent="1" nextAc="seek">
+              <p:cTn id="2" dur="indefinite" nodeType="mainSeq">
+                <p:childTnLst>
+                  <p:par>
+                    <p:cTn id="3" fill="hold">
+                      <p:stCondLst>
+                        <p:cond delay="indefinite"/>
+                      </p:stCondLst>
+                      <p:childTnLst>
+                        <p:par>
+                          <p:cTn id="4" fill="hold">
+                            <p:stCondLst>
+                              <p:cond delay="0"/>
+                            </p:stCondLst>
+                            <p:childTnLst>
+                              <p:par>
+                                <p:cTn id="5" presetID="10" presetClass="entr" presetSubtype="0" fill="hold" grpId="0" nodeType="clickEffect">
+                                  <p:stCondLst>
+                                    <p:cond delay="0"/>
+                                  </p:stCondLst>
+                                  <p:childTnLst>
+                                    <p:set>
+                                      <p:cBhvr>
+                                        <p:cTn id="6" dur="1" fill="hold">
+                                          <p:stCondLst>
+                                            <p:cond delay="0"/>
+                                          </p:stCondLst>
+                                        </p:cTn>
+                                        <p:tgtEl>
+                                          <p:spTgt spid="4"/>
+                                        </p:tgtEl>
+                                        <p:attrNameLst>
+                                          <p:attrName>style.visibility</p:attrName>
+                                        </p:attrNameLst>
+                                      </p:cBhvr>
+                                      <p:to>
+                                        <p:strVal val="visible"/>
+                                      </p:to>
+                                    </p:set>
+                                    <p:animEffect transition="in" filter="fade">
+                                      <p:cBhvr>
+                                        <p:cTn id="7" dur="500"/>
+                                        <p:tgtEl>
+                                          <p:spTgt spid="4"/>
+                                        </p:tgtEl>
+                                      </p:cBhvr>
+                                    </p:animEffect>
+                                  </p:childTnLst>
+                                </p:cTn>
+                              </p:par>
+                            </p:childTnLst>
+                          </p:cTn>
+                        </p:par>
+                      </p:childTnLst>
+                    </p:cTn>
+                  </p:par>
+                </p:childTnLst>
+              </p:cTn>
+              <p:prevCondLst>
+                <p:cond evt="onPrev" delay="0">
+                  <p:tgtEl>
+                    <p:sldTgt/>
+                  </p:tgtEl>
+                </p:cond>
+              </p:prevCondLst>
+              <p:nextCondLst>
+                <p:cond evt="onNext" delay="0">
+                  <p:tgtEl>
+                    <p:sldTgt/>
+                  </p:tgtEl>
+                </p:cond>
+              </p:nextCondLst>
+            </p:seq>
+          </p:childTnLst>
+        </p:cTn>
+      </p:par>
+    </p:tnLst>
+    <p:bldLst>
+      <p:bldP spid="4" grpId="0"/>
+    </p:bldLst>
+  </p:timing>
+</p:sld>
+</file>
+
+<file path=ppt/slides/slide12.xml><?xml version="1.0" encoding="utf-8"?>
+<p:sld xmlns:a="http://schemas.openxmlformats.org/drawingml/2006/main" xmlns:r="http://schemas.openxmlformats.org/officeDocument/2006/relationships" xmlns:p="http://schemas.openxmlformats.org/presentationml/2006/main">
+  <p:cSld>
+    <p:spTree>
+      <p:nvGrpSpPr>
+        <p:cNvPr id="1" name=""/>
+        <p:cNvGrpSpPr/>
+        <p:nvPr/>
+      </p:nvGrpSpPr>
+      <p:grpSpPr>
+        <a:xfrm>
+          <a:off x="0" y="0"/>
+          <a:ext cx="0" cy="0"/>
+          <a:chOff x="0" y="0"/>
+          <a:chExt cx="0" cy="0"/>
+        </a:xfrm>
+      </p:grpSpPr>
+      <p:sp>
+        <p:nvSpPr>
+          <p:cNvPr id="2" name="제목 1"/>
+          <p:cNvSpPr>
+            <a:spLocks noGrp="1"/>
+          </p:cNvSpPr>
+          <p:nvPr>
+            <p:ph type="ctrTitle"/>
+          </p:nvPr>
+        </p:nvSpPr>
+        <p:spPr/>
+        <p:txBody>
+          <a:bodyPr/>
+          <a:lstStyle/>
+          <a:p>
+            <a:r>
+              <a:rPr lang="en-US" altLang="ko-KR" dirty="0">
+                <a:latin typeface="배달의민족 주아" pitchFamily="18" charset="-127"/>
+                <a:ea typeface="배달의민족 주아" pitchFamily="18" charset="-127"/>
+              </a:rPr>
+              <a:t>a (</a:t>
+            </a:r>
+            <a:r>
+              <a:rPr lang="ko-KR" altLang="en-US" dirty="0">
+                <a:latin typeface="배달의민족 주아" pitchFamily="18" charset="-127"/>
+                <a:ea typeface="배달의민족 주아" pitchFamily="18" charset="-127"/>
+              </a:rPr>
+              <a:t>하이퍼링크</a:t>
+            </a:r>
+            <a:r>
+              <a:rPr lang="en-US" altLang="ko-KR" dirty="0">
+                <a:latin typeface="배달의민족 주아" pitchFamily="18" charset="-127"/>
+                <a:ea typeface="배달의민족 주아" pitchFamily="18" charset="-127"/>
+              </a:rPr>
+              <a:t>) </a:t>
+            </a:r>
+            <a:r>
+              <a:rPr lang="ko-KR" altLang="en-US" dirty="0" smtClean="0">
+                <a:latin typeface="배달의민족 주아" pitchFamily="18" charset="-127"/>
+                <a:ea typeface="배달의민족 주아" pitchFamily="18" charset="-127"/>
+              </a:rPr>
+              <a:t>태그</a:t>
+            </a:r>
+            <a:endParaRPr lang="ko-KR" altLang="en-US" dirty="0">
+              <a:latin typeface="배달의민족 주아" pitchFamily="18" charset="-127"/>
+              <a:ea typeface="배달의민족 주아" pitchFamily="18" charset="-127"/>
+            </a:endParaRPr>
+          </a:p>
+        </p:txBody>
+      </p:sp>
+      <p:sp>
+        <p:nvSpPr>
+          <p:cNvPr id="3" name="TextBox 2"/>
+          <p:cNvSpPr txBox="1"/>
+          <p:nvPr/>
+        </p:nvSpPr>
+        <p:spPr>
+          <a:xfrm>
+            <a:off x="6804248" y="6134813"/>
+            <a:ext cx="1838965" cy="369332"/>
+          </a:xfrm>
+          <a:prstGeom prst="rect">
+            <a:avLst/>
+          </a:prstGeom>
+          <a:noFill/>
+        </p:spPr>
+        <p:txBody>
+          <a:bodyPr wrap="none" rtlCol="0">
+            <a:spAutoFit/>
+          </a:bodyPr>
+          <a:lstStyle>
+            <a:defPPr>
+              <a:defRPr lang="ko-KR"/>
+            </a:defPPr>
+            <a:lvl1pPr marL="0" algn="l" defTabSz="914400" rtl="0" eaLnBrk="1" latinLnBrk="1" hangingPunct="1">
+              <a:defRPr sz="1800" kern="1200">
+                <a:solidFill>
+                  <a:schemeClr val="tx1"/>
+                </a:solidFill>
+                <a:latin typeface="+mn-lt"/>
+                <a:ea typeface="+mn-ea"/>
+                <a:cs typeface="+mn-cs"/>
+              </a:defRPr>
+            </a:lvl1pPr>
+            <a:lvl2pPr marL="457200" algn="l" defTabSz="914400" rtl="0" eaLnBrk="1" latinLnBrk="1" hangingPunct="1">
+              <a:defRPr sz="1800" kern="1200">
+                <a:solidFill>
+                  <a:schemeClr val="tx1"/>
+                </a:solidFill>
+                <a:latin typeface="+mn-lt"/>
+                <a:ea typeface="+mn-ea"/>
+                <a:cs typeface="+mn-cs"/>
+              </a:defRPr>
+            </a:lvl2pPr>
+            <a:lvl3pPr marL="914400" algn="l" defTabSz="914400" rtl="0" eaLnBrk="1" latinLnBrk="1" hangingPunct="1">
+              <a:defRPr sz="1800" kern="1200">
+                <a:solidFill>
+                  <a:schemeClr val="tx1"/>
+                </a:solidFill>
+                <a:latin typeface="+mn-lt"/>
+                <a:ea typeface="+mn-ea"/>
+                <a:cs typeface="+mn-cs"/>
+              </a:defRPr>
+            </a:lvl3pPr>
+            <a:lvl4pPr marL="1371600" algn="l" defTabSz="914400" rtl="0" eaLnBrk="1" latinLnBrk="1" hangingPunct="1">
+              <a:defRPr sz="1800" kern="1200">
+                <a:solidFill>
+                  <a:schemeClr val="tx1"/>
+                </a:solidFill>
+                <a:latin typeface="+mn-lt"/>
+                <a:ea typeface="+mn-ea"/>
+                <a:cs typeface="+mn-cs"/>
+              </a:defRPr>
+            </a:lvl4pPr>
+            <a:lvl5pPr marL="1828800" algn="l" defTabSz="914400" rtl="0" eaLnBrk="1" latinLnBrk="1" hangingPunct="1">
+              <a:defRPr sz="1800" kern="1200">
+                <a:solidFill>
+                  <a:schemeClr val="tx1"/>
+                </a:solidFill>
+                <a:latin typeface="+mn-lt"/>
+                <a:ea typeface="+mn-ea"/>
+                <a:cs typeface="+mn-cs"/>
+              </a:defRPr>
+            </a:lvl5pPr>
+            <a:lvl6pPr marL="2286000" algn="l" defTabSz="914400" rtl="0" eaLnBrk="1" latinLnBrk="1" hangingPunct="1">
+              <a:defRPr sz="1800" kern="1200">
+                <a:solidFill>
+                  <a:schemeClr val="tx1"/>
+                </a:solidFill>
+                <a:latin typeface="+mn-lt"/>
+                <a:ea typeface="+mn-ea"/>
+                <a:cs typeface="+mn-cs"/>
+              </a:defRPr>
+            </a:lvl6pPr>
+            <a:lvl7pPr marL="2743200" algn="l" defTabSz="914400" rtl="0" eaLnBrk="1" latinLnBrk="1" hangingPunct="1">
+              <a:defRPr sz="1800" kern="1200">
+                <a:solidFill>
+                  <a:schemeClr val="tx1"/>
+                </a:solidFill>
+                <a:latin typeface="+mn-lt"/>
+                <a:ea typeface="+mn-ea"/>
+                <a:cs typeface="+mn-cs"/>
+              </a:defRPr>
+            </a:lvl7pPr>
+            <a:lvl8pPr marL="3200400" algn="l" defTabSz="914400" rtl="0" eaLnBrk="1" latinLnBrk="1" hangingPunct="1">
+              <a:defRPr sz="1800" kern="1200">
+                <a:solidFill>
+                  <a:schemeClr val="tx1"/>
+                </a:solidFill>
+                <a:latin typeface="+mn-lt"/>
+                <a:ea typeface="+mn-ea"/>
+                <a:cs typeface="+mn-cs"/>
+              </a:defRPr>
+            </a:lvl8pPr>
+            <a:lvl9pPr marL="3657600" algn="l" defTabSz="914400" rtl="0" eaLnBrk="1" latinLnBrk="1" hangingPunct="1">
+              <a:defRPr sz="1800" kern="1200">
+                <a:solidFill>
+                  <a:schemeClr val="tx1"/>
+                </a:solidFill>
+                <a:latin typeface="+mn-lt"/>
+                <a:ea typeface="+mn-ea"/>
+                <a:cs typeface="+mn-cs"/>
+              </a:defRPr>
+            </a:lvl9pPr>
+          </a:lstStyle>
+          <a:p>
+            <a:r>
+              <a:rPr lang="en-US" altLang="ko-KR" dirty="0" smtClean="0">
+                <a:solidFill>
+                  <a:schemeClr val="accent5"/>
+                </a:solidFill>
+                <a:latin typeface="배달의민족 도현" pitchFamily="50" charset="-127"/>
+                <a:ea typeface="배달의민족 도현" pitchFamily="50" charset="-127"/>
+              </a:rPr>
+              <a:t>S</a:t>
+            </a:r>
+            <a:r>
+              <a:rPr lang="en-US" altLang="ko-KR" dirty="0" smtClean="0">
+                <a:latin typeface="배달의민족 도현" pitchFamily="50" charset="-127"/>
+                <a:ea typeface="배달의민족 도현" pitchFamily="50" charset="-127"/>
+              </a:rPr>
+              <a:t>TART</a:t>
+            </a:r>
+            <a:r>
+              <a:rPr lang="en-US" altLang="ko-KR" dirty="0" smtClean="0">
+                <a:solidFill>
+                  <a:schemeClr val="accent5"/>
+                </a:solidFill>
+                <a:latin typeface="배달의민족 도현" pitchFamily="50" charset="-127"/>
+                <a:ea typeface="배달의민족 도현" pitchFamily="50" charset="-127"/>
+              </a:rPr>
+              <a:t>C</a:t>
+            </a:r>
+            <a:r>
+              <a:rPr lang="en-US" altLang="ko-KR" dirty="0" smtClean="0">
+                <a:latin typeface="배달의민족 도현" pitchFamily="50" charset="-127"/>
+                <a:ea typeface="배달의민족 도현" pitchFamily="50" charset="-127"/>
+              </a:rPr>
+              <a:t>ODING</a:t>
+            </a:r>
+            <a:endParaRPr lang="ko-KR" altLang="en-US" dirty="0">
+              <a:latin typeface="배달의민족 도현" pitchFamily="50" charset="-127"/>
+              <a:ea typeface="배달의민족 도현" pitchFamily="50" charset="-127"/>
+            </a:endParaRPr>
+          </a:p>
+        </p:txBody>
+      </p:sp>
+    </p:spTree>
+    <p:extLst>
+      <p:ext uri="{BB962C8B-B14F-4D97-AF65-F5344CB8AC3E}">
+        <p14:creationId xmlns:p14="http://schemas.microsoft.com/office/powerpoint/2010/main" val="1715178860"/>
+      </p:ext>
+    </p:extLst>
+  </p:cSld>
+  <p:clrMapOvr>
+    <a:masterClrMapping/>
+  </p:clrMapOvr>
+  <p:timing>
+    <p:tnLst>
+      <p:par>
+        <p:cTn id="1" dur="indefinite" restart="never" nodeType="tmRoot"/>
+      </p:par>
+    </p:tnLst>
+  </p:timing>
+</p:sld>
+</file>
+
+<file path=ppt/slides/slide13.xml><?xml version="1.0" encoding="utf-8"?>
+<p:sld xmlns:a="http://schemas.openxmlformats.org/drawingml/2006/main" xmlns:r="http://schemas.openxmlformats.org/officeDocument/2006/relationships" xmlns:p="http://schemas.openxmlformats.org/presentationml/2006/main">
+  <p:cSld>
+    <p:spTree>
+      <p:nvGrpSpPr>
+        <p:cNvPr id="1" name=""/>
+        <p:cNvGrpSpPr/>
+        <p:nvPr/>
+      </p:nvGrpSpPr>
+      <p:grpSpPr>
+        <a:xfrm>
+          <a:off x="0" y="0"/>
+          <a:ext cx="0" cy="0"/>
+          <a:chOff x="0" y="0"/>
+          <a:chExt cx="0" cy="0"/>
+        </a:xfrm>
+      </p:grpSpPr>
+      <p:sp>
+        <p:nvSpPr>
+          <p:cNvPr id="3" name="제목 1"/>
+          <p:cNvSpPr txBox="1">
+            <a:spLocks/>
+          </p:cNvSpPr>
+          <p:nvPr/>
+        </p:nvSpPr>
+        <p:spPr>
+          <a:xfrm>
+            <a:off x="683568" y="2348880"/>
+            <a:ext cx="7772400" cy="1470025"/>
+          </a:xfrm>
+          <a:prstGeom prst="rect">
+            <a:avLst/>
+          </a:prstGeom>
+        </p:spPr>
+        <p:txBody>
+          <a:bodyPr vert="horz" lIns="91440" tIns="45720" rIns="91440" bIns="45720" rtlCol="0" anchor="ctr">
+            <a:normAutofit fontScale="85000" lnSpcReduction="10000"/>
+          </a:bodyPr>
+          <a:lstStyle>
+            <a:lvl1pPr algn="ctr" defTabSz="914400" rtl="0" eaLnBrk="1" latinLnBrk="1" hangingPunct="1">
+              <a:spcBef>
+                <a:spcPct val="0"/>
+              </a:spcBef>
+              <a:buNone/>
+              <a:defRPr sz="4400" kern="1200">
+                <a:solidFill>
+                  <a:schemeClr val="tx1"/>
+                </a:solidFill>
+                <a:latin typeface="+mj-lt"/>
+                <a:ea typeface="+mj-ea"/>
+                <a:cs typeface="+mj-cs"/>
+              </a:defRPr>
+            </a:lvl1pPr>
+          </a:lstStyle>
+          <a:p>
+            <a:r>
+              <a:rPr lang="en-US" altLang="ko-KR" dirty="0" smtClean="0">
+                <a:latin typeface="배달의민족 주아" pitchFamily="18" charset="-127"/>
+                <a:ea typeface="배달의민족 주아" pitchFamily="18" charset="-127"/>
+              </a:rPr>
+              <a:t>&lt;a</a:t>
+            </a:r>
+            <a:r>
+              <a:rPr lang="ko-KR" altLang="en-US" dirty="0" smtClean="0">
+                <a:latin typeface="배달의민족 주아" pitchFamily="18" charset="-127"/>
+                <a:ea typeface="배달의민족 주아" pitchFamily="18" charset="-127"/>
+              </a:rPr>
+              <a:t> </a:t>
+            </a:r>
+            <a:r>
+              <a:rPr lang="en-US" altLang="ko-KR" dirty="0" err="1" smtClean="0">
+                <a:latin typeface="배달의민족 주아" pitchFamily="18" charset="-127"/>
+                <a:ea typeface="배달의민족 주아" pitchFamily="18" charset="-127"/>
+              </a:rPr>
+              <a:t>href</a:t>
+            </a:r>
+            <a:r>
+              <a:rPr lang="en-US" altLang="ko-KR" dirty="0" smtClean="0">
+                <a:latin typeface="배달의민족 주아" pitchFamily="18" charset="-127"/>
+                <a:ea typeface="배달의민족 주아" pitchFamily="18" charset="-127"/>
+              </a:rPr>
+              <a:t>=“”https://www.naver.com””&gt; </a:t>
+            </a:r>
+            <a:br>
+              <a:rPr lang="en-US" altLang="ko-KR" dirty="0" smtClean="0">
+                <a:latin typeface="배달의민족 주아" pitchFamily="18" charset="-127"/>
+                <a:ea typeface="배달의민족 주아" pitchFamily="18" charset="-127"/>
+              </a:rPr>
+            </a:br>
+            <a:r>
+              <a:rPr lang="ko-KR" altLang="en-US" dirty="0" err="1" smtClean="0">
+                <a:latin typeface="배달의민족 주아" pitchFamily="18" charset="-127"/>
+                <a:ea typeface="배달의민족 주아" pitchFamily="18" charset="-127"/>
+              </a:rPr>
+              <a:t>네이버로이동</a:t>
+            </a:r>
+            <a:r>
+              <a:rPr lang="ko-KR" altLang="en-US" dirty="0" smtClean="0">
+                <a:latin typeface="배달의민족 주아" pitchFamily="18" charset="-127"/>
+                <a:ea typeface="배달의민족 주아" pitchFamily="18" charset="-127"/>
+              </a:rPr>
+              <a:t> </a:t>
+            </a:r>
+            <a:r>
+              <a:rPr lang="en-US" altLang="ko-KR" dirty="0" smtClean="0">
+                <a:latin typeface="배달의민족 주아" pitchFamily="18" charset="-127"/>
+                <a:ea typeface="배달의민족 주아" pitchFamily="18" charset="-127"/>
+              </a:rPr>
+              <a:t>&lt;/a&gt;</a:t>
+            </a:r>
+            <a:endParaRPr lang="ko-KR" altLang="en-US" dirty="0">
+              <a:latin typeface="배달의민족 주아" pitchFamily="18" charset="-127"/>
+              <a:ea typeface="배달의민족 주아" pitchFamily="18" charset="-127"/>
+            </a:endParaRPr>
+          </a:p>
+        </p:txBody>
+      </p:sp>
+      <p:sp>
+        <p:nvSpPr>
+          <p:cNvPr id="5" name="제목 1"/>
+          <p:cNvSpPr txBox="1">
+            <a:spLocks/>
+          </p:cNvSpPr>
+          <p:nvPr/>
+        </p:nvSpPr>
+        <p:spPr>
+          <a:xfrm>
+            <a:off x="838200" y="3284984"/>
+            <a:ext cx="7772400" cy="1470025"/>
+          </a:xfrm>
+          <a:prstGeom prst="rect">
+            <a:avLst/>
+          </a:prstGeom>
+        </p:spPr>
+        <p:txBody>
+          <a:bodyPr vert="horz" lIns="91440" tIns="45720" rIns="91440" bIns="45720" rtlCol="0" anchor="ctr">
+            <a:normAutofit/>
+          </a:bodyPr>
+          <a:lstStyle>
+            <a:lvl1pPr algn="ctr" defTabSz="914400" rtl="0" eaLnBrk="1" latinLnBrk="1" hangingPunct="1">
+              <a:spcBef>
+                <a:spcPct val="0"/>
+              </a:spcBef>
+              <a:buNone/>
+              <a:defRPr sz="4400" kern="1200">
+                <a:solidFill>
+                  <a:schemeClr val="tx1"/>
+                </a:solidFill>
+                <a:latin typeface="+mj-lt"/>
+                <a:ea typeface="+mj-ea"/>
+                <a:cs typeface="+mj-cs"/>
+              </a:defRPr>
+            </a:lvl1pPr>
+          </a:lstStyle>
+          <a:p>
+            <a:r>
+              <a:rPr lang="ko-KR" altLang="en-US" sz="3600" dirty="0" smtClean="0">
+                <a:latin typeface="배달의민족 주아" pitchFamily="18" charset="-127"/>
+                <a:ea typeface="배달의민족 주아" pitchFamily="18" charset="-127"/>
+              </a:rPr>
+              <a:t>클릭할 경우 해당 주소로 </a:t>
+            </a:r>
+            <a:r>
+              <a:rPr lang="ko-KR" altLang="en-US" sz="3600" dirty="0" smtClean="0">
+                <a:solidFill>
+                  <a:schemeClr val="accent5"/>
+                </a:solidFill>
+                <a:latin typeface="배달의민족 주아" pitchFamily="18" charset="-127"/>
+                <a:ea typeface="배달의민족 주아" pitchFamily="18" charset="-127"/>
+              </a:rPr>
+              <a:t>이동</a:t>
+            </a:r>
+            <a:endParaRPr lang="en-US" altLang="ko-KR" sz="3600" dirty="0" smtClean="0">
+              <a:solidFill>
+                <a:schemeClr val="accent5"/>
+              </a:solidFill>
+              <a:latin typeface="배달의민족 주아" pitchFamily="18" charset="-127"/>
+              <a:ea typeface="배달의민족 주아" pitchFamily="18" charset="-127"/>
+            </a:endParaRPr>
+          </a:p>
+        </p:txBody>
+      </p:sp>
+      <p:sp>
+        <p:nvSpPr>
+          <p:cNvPr id="4" name="TextBox 3"/>
+          <p:cNvSpPr txBox="1"/>
+          <p:nvPr/>
+        </p:nvSpPr>
+        <p:spPr>
+          <a:xfrm>
+            <a:off x="6804248" y="6134813"/>
+            <a:ext cx="1838965" cy="369332"/>
+          </a:xfrm>
+          <a:prstGeom prst="rect">
+            <a:avLst/>
+          </a:prstGeom>
+          <a:noFill/>
+        </p:spPr>
+        <p:txBody>
+          <a:bodyPr wrap="none" rtlCol="0">
+            <a:spAutoFit/>
+          </a:bodyPr>
+          <a:lstStyle>
+            <a:defPPr>
+              <a:defRPr lang="ko-KR"/>
+            </a:defPPr>
+            <a:lvl1pPr marL="0" algn="l" defTabSz="914400" rtl="0" eaLnBrk="1" latinLnBrk="1" hangingPunct="1">
+              <a:defRPr sz="1800" kern="1200">
+                <a:solidFill>
+                  <a:schemeClr val="tx1"/>
+                </a:solidFill>
+                <a:latin typeface="+mn-lt"/>
+                <a:ea typeface="+mn-ea"/>
+                <a:cs typeface="+mn-cs"/>
+              </a:defRPr>
+            </a:lvl1pPr>
+            <a:lvl2pPr marL="457200" algn="l" defTabSz="914400" rtl="0" eaLnBrk="1" latinLnBrk="1" hangingPunct="1">
+              <a:defRPr sz="1800" kern="1200">
+                <a:solidFill>
+                  <a:schemeClr val="tx1"/>
+                </a:solidFill>
+                <a:latin typeface="+mn-lt"/>
+                <a:ea typeface="+mn-ea"/>
+                <a:cs typeface="+mn-cs"/>
+              </a:defRPr>
+            </a:lvl2pPr>
+            <a:lvl3pPr marL="914400" algn="l" defTabSz="914400" rtl="0" eaLnBrk="1" latinLnBrk="1" hangingPunct="1">
+              <a:defRPr sz="1800" kern="1200">
+                <a:solidFill>
+                  <a:schemeClr val="tx1"/>
+                </a:solidFill>
+                <a:latin typeface="+mn-lt"/>
+                <a:ea typeface="+mn-ea"/>
+                <a:cs typeface="+mn-cs"/>
+              </a:defRPr>
+            </a:lvl3pPr>
+            <a:lvl4pPr marL="1371600" algn="l" defTabSz="914400" rtl="0" eaLnBrk="1" latinLnBrk="1" hangingPunct="1">
+              <a:defRPr sz="1800" kern="1200">
+                <a:solidFill>
+                  <a:schemeClr val="tx1"/>
+                </a:solidFill>
+                <a:latin typeface="+mn-lt"/>
+                <a:ea typeface="+mn-ea"/>
+                <a:cs typeface="+mn-cs"/>
+              </a:defRPr>
+            </a:lvl4pPr>
+            <a:lvl5pPr marL="1828800" algn="l" defTabSz="914400" rtl="0" eaLnBrk="1" latinLnBrk="1" hangingPunct="1">
+              <a:defRPr sz="1800" kern="1200">
+                <a:solidFill>
+                  <a:schemeClr val="tx1"/>
+                </a:solidFill>
+                <a:latin typeface="+mn-lt"/>
+                <a:ea typeface="+mn-ea"/>
+                <a:cs typeface="+mn-cs"/>
+              </a:defRPr>
+            </a:lvl5pPr>
+            <a:lvl6pPr marL="2286000" algn="l" defTabSz="914400" rtl="0" eaLnBrk="1" latinLnBrk="1" hangingPunct="1">
+              <a:defRPr sz="1800" kern="1200">
+                <a:solidFill>
+                  <a:schemeClr val="tx1"/>
+                </a:solidFill>
+                <a:latin typeface="+mn-lt"/>
+                <a:ea typeface="+mn-ea"/>
+                <a:cs typeface="+mn-cs"/>
+              </a:defRPr>
+            </a:lvl6pPr>
+            <a:lvl7pPr marL="2743200" algn="l" defTabSz="914400" rtl="0" eaLnBrk="1" latinLnBrk="1" hangingPunct="1">
+              <a:defRPr sz="1800" kern="1200">
+                <a:solidFill>
+                  <a:schemeClr val="tx1"/>
+                </a:solidFill>
+                <a:latin typeface="+mn-lt"/>
+                <a:ea typeface="+mn-ea"/>
+                <a:cs typeface="+mn-cs"/>
+              </a:defRPr>
+            </a:lvl7pPr>
+            <a:lvl8pPr marL="3200400" algn="l" defTabSz="914400" rtl="0" eaLnBrk="1" latinLnBrk="1" hangingPunct="1">
+              <a:defRPr sz="1800" kern="1200">
+                <a:solidFill>
+                  <a:schemeClr val="tx1"/>
+                </a:solidFill>
+                <a:latin typeface="+mn-lt"/>
+                <a:ea typeface="+mn-ea"/>
+                <a:cs typeface="+mn-cs"/>
+              </a:defRPr>
+            </a:lvl8pPr>
+            <a:lvl9pPr marL="3657600" algn="l" defTabSz="914400" rtl="0" eaLnBrk="1" latinLnBrk="1" hangingPunct="1">
+              <a:defRPr sz="1800" kern="1200">
+                <a:solidFill>
+                  <a:schemeClr val="tx1"/>
+                </a:solidFill>
+                <a:latin typeface="+mn-lt"/>
+                <a:ea typeface="+mn-ea"/>
+                <a:cs typeface="+mn-cs"/>
+              </a:defRPr>
+            </a:lvl9pPr>
+          </a:lstStyle>
+          <a:p>
+            <a:r>
+              <a:rPr lang="en-US" altLang="ko-KR" dirty="0" smtClean="0">
+                <a:solidFill>
+                  <a:schemeClr val="accent5"/>
+                </a:solidFill>
+                <a:latin typeface="배달의민족 도현" pitchFamily="50" charset="-127"/>
+                <a:ea typeface="배달의민족 도현" pitchFamily="50" charset="-127"/>
+              </a:rPr>
+              <a:t>S</a:t>
+            </a:r>
+            <a:r>
+              <a:rPr lang="en-US" altLang="ko-KR" dirty="0" smtClean="0">
+                <a:latin typeface="배달의민족 도현" pitchFamily="50" charset="-127"/>
+                <a:ea typeface="배달의민족 도현" pitchFamily="50" charset="-127"/>
+              </a:rPr>
+              <a:t>TART</a:t>
+            </a:r>
+            <a:r>
+              <a:rPr lang="en-US" altLang="ko-KR" dirty="0" smtClean="0">
+                <a:solidFill>
+                  <a:schemeClr val="accent5"/>
+                </a:solidFill>
+                <a:latin typeface="배달의민족 도현" pitchFamily="50" charset="-127"/>
+                <a:ea typeface="배달의민족 도현" pitchFamily="50" charset="-127"/>
+              </a:rPr>
+              <a:t>C</a:t>
+            </a:r>
+            <a:r>
+              <a:rPr lang="en-US" altLang="ko-KR" dirty="0" smtClean="0">
+                <a:latin typeface="배달의민족 도현" pitchFamily="50" charset="-127"/>
+                <a:ea typeface="배달의민족 도현" pitchFamily="50" charset="-127"/>
+              </a:rPr>
+              <a:t>ODING</a:t>
+            </a:r>
+            <a:endParaRPr lang="ko-KR" altLang="en-US" dirty="0">
+              <a:latin typeface="배달의민족 도현" pitchFamily="50" charset="-127"/>
+              <a:ea typeface="배달의민족 도현" pitchFamily="50" charset="-127"/>
+            </a:endParaRPr>
+          </a:p>
+        </p:txBody>
+      </p:sp>
+    </p:spTree>
+    <p:extLst>
+      <p:ext uri="{BB962C8B-B14F-4D97-AF65-F5344CB8AC3E}">
+        <p14:creationId xmlns:p14="http://schemas.microsoft.com/office/powerpoint/2010/main" val="1257734880"/>
+      </p:ext>
+    </p:extLst>
+  </p:cSld>
+  <p:clrMapOvr>
+    <a:masterClrMapping/>
+  </p:clrMapOvr>
+  <p:timing>
+    <p:tnLst>
+      <p:par>
+        <p:cTn id="1" dur="indefinite" restart="never" nodeType="tmRoot">
+          <p:childTnLst>
+            <p:seq concurrent="1" nextAc="seek">
+              <p:cTn id="2" dur="indefinite" nodeType="mainSeq">
+                <p:childTnLst>
+                  <p:par>
+                    <p:cTn id="3" fill="hold">
+                      <p:stCondLst>
+                        <p:cond delay="indefinite"/>
+                      </p:stCondLst>
+                      <p:childTnLst>
+                        <p:par>
+                          <p:cTn id="4" fill="hold">
+                            <p:stCondLst>
+                              <p:cond delay="0"/>
+                            </p:stCondLst>
+                            <p:childTnLst>
+                              <p:par>
+                                <p:cTn id="5" presetID="10" presetClass="entr" presetSubtype="0" fill="hold" grpId="0" nodeType="clickEffect">
+                                  <p:stCondLst>
+                                    <p:cond delay="0"/>
+                                  </p:stCondLst>
+                                  <p:childTnLst>
+                                    <p:set>
+                                      <p:cBhvr>
+                                        <p:cTn id="6" dur="1" fill="hold">
+                                          <p:stCondLst>
+                                            <p:cond delay="0"/>
+                                          </p:stCondLst>
+                                        </p:cTn>
+                                        <p:tgtEl>
+                                          <p:spTgt spid="5"/>
+                                        </p:tgtEl>
+                                        <p:attrNameLst>
+                                          <p:attrName>style.visibility</p:attrName>
+                                        </p:attrNameLst>
+                                      </p:cBhvr>
+                                      <p:to>
+                                        <p:strVal val="visible"/>
+                                      </p:to>
+                                    </p:set>
+                                    <p:animEffect transition="in" filter="fade">
+                                      <p:cBhvr>
+                                        <p:cTn id="7" dur="500"/>
+                                        <p:tgtEl>
+                                          <p:spTgt spid="5"/>
+                                        </p:tgtEl>
+                                      </p:cBhvr>
+                                    </p:animEffect>
+                                  </p:childTnLst>
+                                </p:cTn>
+                              </p:par>
+                            </p:childTnLst>
+                          </p:cTn>
+                        </p:par>
+                      </p:childTnLst>
+                    </p:cTn>
+                  </p:par>
+                </p:childTnLst>
+              </p:cTn>
+              <p:prevCondLst>
+                <p:cond evt="onPrev" delay="0">
+                  <p:tgtEl>
+                    <p:sldTgt/>
+                  </p:tgtEl>
+                </p:cond>
+              </p:prevCondLst>
+              <p:nextCondLst>
+                <p:cond evt="onNext" delay="0">
+                  <p:tgtEl>
+                    <p:sldTgt/>
+                  </p:tgtEl>
+                </p:cond>
+              </p:nextCondLst>
+            </p:seq>
+          </p:childTnLst>
+        </p:cTn>
+      </p:par>
+    </p:tnLst>
+    <p:bldLst>
+      <p:bldP spid="5" grpId="0"/>
+    </p:bldLst>
+  </p:timing>
+</p:sld>
+</file>
+
+<file path=ppt/slides/slide14.xml><?xml version="1.0" encoding="utf-8"?>
+<p:sld xmlns:a="http://schemas.openxmlformats.org/drawingml/2006/main" xmlns:r="http://schemas.openxmlformats.org/officeDocument/2006/relationships" xmlns:p="http://schemas.openxmlformats.org/presentationml/2006/main">
+  <p:cSld>
+    <p:spTree>
+      <p:nvGrpSpPr>
+        <p:cNvPr id="1" name=""/>
+        <p:cNvGrpSpPr/>
+        <p:nvPr/>
+      </p:nvGrpSpPr>
+      <p:grpSpPr>
+        <a:xfrm>
+          <a:off x="0" y="0"/>
+          <a:ext cx="0" cy="0"/>
+          <a:chOff x="0" y="0"/>
+          <a:chExt cx="0" cy="0"/>
+        </a:xfrm>
+      </p:grpSpPr>
+      <p:sp>
+        <p:nvSpPr>
+          <p:cNvPr id="2" name="제목 1"/>
+          <p:cNvSpPr>
+            <a:spLocks noGrp="1"/>
+          </p:cNvSpPr>
+          <p:nvPr>
+            <p:ph type="ctrTitle"/>
+          </p:nvPr>
+        </p:nvSpPr>
+        <p:spPr/>
+        <p:txBody>
+          <a:bodyPr/>
+          <a:lstStyle/>
+          <a:p>
+            <a:r>
+              <a:rPr lang="ko-KR" altLang="en-US" dirty="0" smtClean="0">
+                <a:latin typeface="배달의민족 주아" pitchFamily="18" charset="-127"/>
+                <a:ea typeface="배달의민족 주아" pitchFamily="18" charset="-127"/>
+              </a:rPr>
+              <a:t>주석</a:t>
+            </a:r>
+            <a:r>
+              <a:rPr lang="en-US" altLang="ko-KR" dirty="0" smtClean="0">
+                <a:latin typeface="배달의민족 주아" pitchFamily="18" charset="-127"/>
+                <a:ea typeface="배달의민족 주아" pitchFamily="18" charset="-127"/>
+              </a:rPr>
+              <a:t>(Comment)</a:t>
+            </a:r>
+            <a:endParaRPr lang="ko-KR" altLang="en-US" dirty="0">
+              <a:latin typeface="배달의민족 주아" pitchFamily="18" charset="-127"/>
+              <a:ea typeface="배달의민족 주아" pitchFamily="18" charset="-127"/>
+            </a:endParaRPr>
+          </a:p>
+        </p:txBody>
+      </p:sp>
+      <p:sp>
+        <p:nvSpPr>
+          <p:cNvPr id="3" name="TextBox 2"/>
+          <p:cNvSpPr txBox="1"/>
+          <p:nvPr/>
+        </p:nvSpPr>
+        <p:spPr>
+          <a:xfrm>
+            <a:off x="6804248" y="6134813"/>
+            <a:ext cx="1838965" cy="369332"/>
+          </a:xfrm>
+          <a:prstGeom prst="rect">
+            <a:avLst/>
+          </a:prstGeom>
+          <a:noFill/>
+        </p:spPr>
+        <p:txBody>
+          <a:bodyPr wrap="none" rtlCol="0">
+            <a:spAutoFit/>
+          </a:bodyPr>
+          <a:lstStyle>
+            <a:defPPr>
+              <a:defRPr lang="ko-KR"/>
+            </a:defPPr>
+            <a:lvl1pPr marL="0" algn="l" defTabSz="914400" rtl="0" eaLnBrk="1" latinLnBrk="1" hangingPunct="1">
+              <a:defRPr sz="1800" kern="1200">
+                <a:solidFill>
+                  <a:schemeClr val="tx1"/>
+                </a:solidFill>
+                <a:latin typeface="+mn-lt"/>
+                <a:ea typeface="+mn-ea"/>
+                <a:cs typeface="+mn-cs"/>
+              </a:defRPr>
+            </a:lvl1pPr>
+            <a:lvl2pPr marL="457200" algn="l" defTabSz="914400" rtl="0" eaLnBrk="1" latinLnBrk="1" hangingPunct="1">
+              <a:defRPr sz="1800" kern="1200">
+                <a:solidFill>
+                  <a:schemeClr val="tx1"/>
+                </a:solidFill>
+                <a:latin typeface="+mn-lt"/>
+                <a:ea typeface="+mn-ea"/>
+                <a:cs typeface="+mn-cs"/>
+              </a:defRPr>
+            </a:lvl2pPr>
+            <a:lvl3pPr marL="914400" algn="l" defTabSz="914400" rtl="0" eaLnBrk="1" latinLnBrk="1" hangingPunct="1">
+              <a:defRPr sz="1800" kern="1200">
+                <a:solidFill>
+                  <a:schemeClr val="tx1"/>
+                </a:solidFill>
+                <a:latin typeface="+mn-lt"/>
+                <a:ea typeface="+mn-ea"/>
+                <a:cs typeface="+mn-cs"/>
+              </a:defRPr>
+            </a:lvl3pPr>
+            <a:lvl4pPr marL="1371600" algn="l" defTabSz="914400" rtl="0" eaLnBrk="1" latinLnBrk="1" hangingPunct="1">
+              <a:defRPr sz="1800" kern="1200">
+                <a:solidFill>
+                  <a:schemeClr val="tx1"/>
+                </a:solidFill>
+                <a:latin typeface="+mn-lt"/>
+                <a:ea typeface="+mn-ea"/>
+                <a:cs typeface="+mn-cs"/>
+              </a:defRPr>
+            </a:lvl4pPr>
+            <a:lvl5pPr marL="1828800" algn="l" defTabSz="914400" rtl="0" eaLnBrk="1" latinLnBrk="1" hangingPunct="1">
+              <a:defRPr sz="1800" kern="1200">
+                <a:solidFill>
+                  <a:schemeClr val="tx1"/>
+                </a:solidFill>
+                <a:latin typeface="+mn-lt"/>
+                <a:ea typeface="+mn-ea"/>
+                <a:cs typeface="+mn-cs"/>
+              </a:defRPr>
+            </a:lvl5pPr>
+            <a:lvl6pPr marL="2286000" algn="l" defTabSz="914400" rtl="0" eaLnBrk="1" latinLnBrk="1" hangingPunct="1">
+              <a:defRPr sz="1800" kern="1200">
+                <a:solidFill>
+                  <a:schemeClr val="tx1"/>
+                </a:solidFill>
+                <a:latin typeface="+mn-lt"/>
+                <a:ea typeface="+mn-ea"/>
+                <a:cs typeface="+mn-cs"/>
+              </a:defRPr>
+            </a:lvl6pPr>
+            <a:lvl7pPr marL="2743200" algn="l" defTabSz="914400" rtl="0" eaLnBrk="1" latinLnBrk="1" hangingPunct="1">
+              <a:defRPr sz="1800" kern="1200">
+                <a:solidFill>
+                  <a:schemeClr val="tx1"/>
+                </a:solidFill>
+                <a:latin typeface="+mn-lt"/>
+                <a:ea typeface="+mn-ea"/>
+                <a:cs typeface="+mn-cs"/>
+              </a:defRPr>
+            </a:lvl7pPr>
+            <a:lvl8pPr marL="3200400" algn="l" defTabSz="914400" rtl="0" eaLnBrk="1" latinLnBrk="1" hangingPunct="1">
+              <a:defRPr sz="1800" kern="1200">
+                <a:solidFill>
+                  <a:schemeClr val="tx1"/>
+                </a:solidFill>
+                <a:latin typeface="+mn-lt"/>
+                <a:ea typeface="+mn-ea"/>
+                <a:cs typeface="+mn-cs"/>
+              </a:defRPr>
+            </a:lvl8pPr>
+            <a:lvl9pPr marL="3657600" algn="l" defTabSz="914400" rtl="0" eaLnBrk="1" latinLnBrk="1" hangingPunct="1">
+              <a:defRPr sz="1800" kern="1200">
+                <a:solidFill>
+                  <a:schemeClr val="tx1"/>
+                </a:solidFill>
+                <a:latin typeface="+mn-lt"/>
+                <a:ea typeface="+mn-ea"/>
+                <a:cs typeface="+mn-cs"/>
+              </a:defRPr>
+            </a:lvl9pPr>
+          </a:lstStyle>
+          <a:p>
+            <a:r>
+              <a:rPr lang="en-US" altLang="ko-KR" dirty="0" smtClean="0">
+                <a:solidFill>
+                  <a:schemeClr val="accent5"/>
+                </a:solidFill>
+                <a:latin typeface="배달의민족 도현" pitchFamily="50" charset="-127"/>
+                <a:ea typeface="배달의민족 도현" pitchFamily="50" charset="-127"/>
+              </a:rPr>
+              <a:t>S</a:t>
+            </a:r>
+            <a:r>
+              <a:rPr lang="en-US" altLang="ko-KR" dirty="0" smtClean="0">
+                <a:latin typeface="배달의민족 도현" pitchFamily="50" charset="-127"/>
+                <a:ea typeface="배달의민족 도현" pitchFamily="50" charset="-127"/>
+              </a:rPr>
+              <a:t>TART</a:t>
+            </a:r>
+            <a:r>
+              <a:rPr lang="en-US" altLang="ko-KR" dirty="0" smtClean="0">
+                <a:solidFill>
+                  <a:schemeClr val="accent5"/>
+                </a:solidFill>
+                <a:latin typeface="배달의민족 도현" pitchFamily="50" charset="-127"/>
+                <a:ea typeface="배달의민족 도현" pitchFamily="50" charset="-127"/>
+              </a:rPr>
+              <a:t>C</a:t>
+            </a:r>
+            <a:r>
+              <a:rPr lang="en-US" altLang="ko-KR" dirty="0" smtClean="0">
+                <a:latin typeface="배달의민족 도현" pitchFamily="50" charset="-127"/>
+                <a:ea typeface="배달의민족 도현" pitchFamily="50" charset="-127"/>
+              </a:rPr>
+              <a:t>ODING</a:t>
+            </a:r>
+            <a:endParaRPr lang="ko-KR" altLang="en-US" dirty="0">
+              <a:latin typeface="배달의민족 도현" pitchFamily="50" charset="-127"/>
+              <a:ea typeface="배달의민족 도현" pitchFamily="50" charset="-127"/>
+            </a:endParaRPr>
+          </a:p>
+        </p:txBody>
+      </p:sp>
+    </p:spTree>
+    <p:extLst>
+      <p:ext uri="{BB962C8B-B14F-4D97-AF65-F5344CB8AC3E}">
+        <p14:creationId xmlns:p14="http://schemas.microsoft.com/office/powerpoint/2010/main" val="4048428801"/>
+      </p:ext>
+    </p:extLst>
+  </p:cSld>
+  <p:clrMapOvr>
+    <a:masterClrMapping/>
+  </p:clrMapOvr>
+  <p:timing>
+    <p:tnLst>
+      <p:par>
+        <p:cTn id="1" dur="indefinite" restart="never" nodeType="tmRoot"/>
+      </p:par>
+    </p:tnLst>
+  </p:timing>
+</p:sld>
+</file>
+
+<file path=ppt/slides/slide15.xml><?xml version="1.0" encoding="utf-8"?>
+<p:sld xmlns:a="http://schemas.openxmlformats.org/drawingml/2006/main" xmlns:r="http://schemas.openxmlformats.org/officeDocument/2006/relationships" xmlns:p="http://schemas.openxmlformats.org/presentationml/2006/main">
+  <p:cSld>
+    <p:spTree>
+      <p:nvGrpSpPr>
+        <p:cNvPr id="1" name=""/>
+        <p:cNvGrpSpPr/>
+        <p:nvPr/>
+      </p:nvGrpSpPr>
+      <p:grpSpPr>
+        <a:xfrm>
+          <a:off x="0" y="0"/>
+          <a:ext cx="0" cy="0"/>
+          <a:chOff x="0" y="0"/>
+          <a:chExt cx="0" cy="0"/>
+        </a:xfrm>
+      </p:grpSpPr>
+      <p:sp>
+        <p:nvSpPr>
+          <p:cNvPr id="3" name="제목 1"/>
+          <p:cNvSpPr txBox="1">
+            <a:spLocks/>
+          </p:cNvSpPr>
+          <p:nvPr/>
+        </p:nvSpPr>
+        <p:spPr>
+          <a:xfrm>
+            <a:off x="683568" y="2348880"/>
+            <a:ext cx="7772400" cy="1470025"/>
+          </a:xfrm>
+          <a:prstGeom prst="rect">
+            <a:avLst/>
+          </a:prstGeom>
+        </p:spPr>
+        <p:txBody>
+          <a:bodyPr vert="horz" lIns="91440" tIns="45720" rIns="91440" bIns="45720" rtlCol="0" anchor="ctr">
+            <a:normAutofit fontScale="92500"/>
+          </a:bodyPr>
+          <a:lstStyle>
+            <a:lvl1pPr algn="ctr" defTabSz="914400" rtl="0" eaLnBrk="1" latinLnBrk="1" hangingPunct="1">
+              <a:spcBef>
+                <a:spcPct val="0"/>
+              </a:spcBef>
+              <a:buNone/>
+              <a:defRPr sz="4400" kern="1200">
+                <a:solidFill>
+                  <a:schemeClr val="tx1"/>
+                </a:solidFill>
+                <a:latin typeface="+mj-lt"/>
+                <a:ea typeface="+mj-ea"/>
+                <a:cs typeface="+mj-cs"/>
+              </a:defRPr>
+            </a:lvl1pPr>
+          </a:lstStyle>
+          <a:p>
+            <a:r>
+              <a:rPr lang="en-US" altLang="ko-KR" dirty="0" smtClean="0">
+                <a:latin typeface="배달의민족 주아" pitchFamily="18" charset="-127"/>
+                <a:ea typeface="배달의민족 주아" pitchFamily="18" charset="-127"/>
+              </a:rPr>
+              <a:t>&lt;!--</a:t>
+            </a:r>
+            <a:r>
+              <a:rPr lang="ko-KR" altLang="en-US" dirty="0" smtClean="0">
+                <a:latin typeface="배달의민족 주아" pitchFamily="18" charset="-127"/>
+                <a:ea typeface="배달의민족 주아" pitchFamily="18" charset="-127"/>
+              </a:rPr>
+              <a:t>메모를 하거나 </a:t>
+            </a:r>
+            <a:r>
+              <a:rPr lang="en-US" altLang="ko-KR" dirty="0" smtClean="0">
+                <a:latin typeface="배달의민족 주아" pitchFamily="18" charset="-127"/>
+                <a:ea typeface="배달의민족 주아" pitchFamily="18" charset="-127"/>
+              </a:rPr>
+              <a:t>--&gt;</a:t>
+            </a:r>
+          </a:p>
+          <a:p>
+            <a:r>
+              <a:rPr lang="en-US" altLang="ko-KR" dirty="0" smtClean="0">
+                <a:latin typeface="배달의민족 주아" pitchFamily="18" charset="-127"/>
+                <a:ea typeface="배달의민족 주아" pitchFamily="18" charset="-127"/>
+              </a:rPr>
+              <a:t>&lt;!--</a:t>
+            </a:r>
+            <a:r>
+              <a:rPr lang="ko-KR" altLang="en-US" dirty="0" smtClean="0">
+                <a:latin typeface="배달의민족 주아" pitchFamily="18" charset="-127"/>
+                <a:ea typeface="배달의민족 주아" pitchFamily="18" charset="-127"/>
+              </a:rPr>
+              <a:t>코드를 실행 하지 않고 싶을 때 </a:t>
+            </a:r>
+            <a:r>
+              <a:rPr lang="en-US" altLang="ko-KR" dirty="0" smtClean="0">
+                <a:latin typeface="배달의민족 주아" pitchFamily="18" charset="-127"/>
+                <a:ea typeface="배달의민족 주아" pitchFamily="18" charset="-127"/>
+              </a:rPr>
+              <a:t>--&gt;</a:t>
+            </a:r>
+            <a:endParaRPr lang="ko-KR" altLang="en-US" dirty="0">
+              <a:latin typeface="배달의민족 주아" pitchFamily="18" charset="-127"/>
+              <a:ea typeface="배달의민족 주아" pitchFamily="18" charset="-127"/>
+            </a:endParaRPr>
+          </a:p>
+        </p:txBody>
+      </p:sp>
+      <p:sp>
+        <p:nvSpPr>
+          <p:cNvPr id="4" name="TextBox 3"/>
+          <p:cNvSpPr txBox="1"/>
+          <p:nvPr/>
+        </p:nvSpPr>
+        <p:spPr>
+          <a:xfrm>
+            <a:off x="6804248" y="6134813"/>
+            <a:ext cx="1838965" cy="369332"/>
+          </a:xfrm>
+          <a:prstGeom prst="rect">
+            <a:avLst/>
+          </a:prstGeom>
+          <a:noFill/>
+        </p:spPr>
+        <p:txBody>
+          <a:bodyPr wrap="none" rtlCol="0">
+            <a:spAutoFit/>
+          </a:bodyPr>
+          <a:lstStyle>
+            <a:defPPr>
+              <a:defRPr lang="ko-KR"/>
+            </a:defPPr>
+            <a:lvl1pPr marL="0" algn="l" defTabSz="914400" rtl="0" eaLnBrk="1" latinLnBrk="1" hangingPunct="1">
+              <a:defRPr sz="1800" kern="1200">
+                <a:solidFill>
+                  <a:schemeClr val="tx1"/>
+                </a:solidFill>
+                <a:latin typeface="+mn-lt"/>
+                <a:ea typeface="+mn-ea"/>
+                <a:cs typeface="+mn-cs"/>
+              </a:defRPr>
+            </a:lvl1pPr>
+            <a:lvl2pPr marL="457200" algn="l" defTabSz="914400" rtl="0" eaLnBrk="1" latinLnBrk="1" hangingPunct="1">
+              <a:defRPr sz="1800" kern="1200">
+                <a:solidFill>
+                  <a:schemeClr val="tx1"/>
+                </a:solidFill>
+                <a:latin typeface="+mn-lt"/>
+                <a:ea typeface="+mn-ea"/>
+                <a:cs typeface="+mn-cs"/>
+              </a:defRPr>
+            </a:lvl2pPr>
+            <a:lvl3pPr marL="914400" algn="l" defTabSz="914400" rtl="0" eaLnBrk="1" latinLnBrk="1" hangingPunct="1">
+              <a:defRPr sz="1800" kern="1200">
+                <a:solidFill>
+                  <a:schemeClr val="tx1"/>
+                </a:solidFill>
+                <a:latin typeface="+mn-lt"/>
+                <a:ea typeface="+mn-ea"/>
+                <a:cs typeface="+mn-cs"/>
+              </a:defRPr>
+            </a:lvl3pPr>
+            <a:lvl4pPr marL="1371600" algn="l" defTabSz="914400" rtl="0" eaLnBrk="1" latinLnBrk="1" hangingPunct="1">
+              <a:defRPr sz="1800" kern="1200">
+                <a:solidFill>
+                  <a:schemeClr val="tx1"/>
+                </a:solidFill>
+                <a:latin typeface="+mn-lt"/>
+                <a:ea typeface="+mn-ea"/>
+                <a:cs typeface="+mn-cs"/>
+              </a:defRPr>
+            </a:lvl4pPr>
+            <a:lvl5pPr marL="1828800" algn="l" defTabSz="914400" rtl="0" eaLnBrk="1" latinLnBrk="1" hangingPunct="1">
+              <a:defRPr sz="1800" kern="1200">
+                <a:solidFill>
+                  <a:schemeClr val="tx1"/>
+                </a:solidFill>
+                <a:latin typeface="+mn-lt"/>
+                <a:ea typeface="+mn-ea"/>
+                <a:cs typeface="+mn-cs"/>
+              </a:defRPr>
+            </a:lvl5pPr>
+            <a:lvl6pPr marL="2286000" algn="l" defTabSz="914400" rtl="0" eaLnBrk="1" latinLnBrk="1" hangingPunct="1">
+              <a:defRPr sz="1800" kern="1200">
+                <a:solidFill>
+                  <a:schemeClr val="tx1"/>
+                </a:solidFill>
+                <a:latin typeface="+mn-lt"/>
+                <a:ea typeface="+mn-ea"/>
+                <a:cs typeface="+mn-cs"/>
+              </a:defRPr>
+            </a:lvl6pPr>
+            <a:lvl7pPr marL="2743200" algn="l" defTabSz="914400" rtl="0" eaLnBrk="1" latinLnBrk="1" hangingPunct="1">
+              <a:defRPr sz="1800" kern="1200">
+                <a:solidFill>
+                  <a:schemeClr val="tx1"/>
+                </a:solidFill>
+                <a:latin typeface="+mn-lt"/>
+                <a:ea typeface="+mn-ea"/>
+                <a:cs typeface="+mn-cs"/>
+              </a:defRPr>
+            </a:lvl7pPr>
+            <a:lvl8pPr marL="3200400" algn="l" defTabSz="914400" rtl="0" eaLnBrk="1" latinLnBrk="1" hangingPunct="1">
+              <a:defRPr sz="1800" kern="1200">
+                <a:solidFill>
+                  <a:schemeClr val="tx1"/>
+                </a:solidFill>
+                <a:latin typeface="+mn-lt"/>
+                <a:ea typeface="+mn-ea"/>
+                <a:cs typeface="+mn-cs"/>
+              </a:defRPr>
+            </a:lvl8pPr>
+            <a:lvl9pPr marL="3657600" algn="l" defTabSz="914400" rtl="0" eaLnBrk="1" latinLnBrk="1" hangingPunct="1">
+              <a:defRPr sz="1800" kern="1200">
+                <a:solidFill>
+                  <a:schemeClr val="tx1"/>
+                </a:solidFill>
+                <a:latin typeface="+mn-lt"/>
+                <a:ea typeface="+mn-ea"/>
+                <a:cs typeface="+mn-cs"/>
+              </a:defRPr>
+            </a:lvl9pPr>
+          </a:lstStyle>
+          <a:p>
+            <a:r>
+              <a:rPr lang="en-US" altLang="ko-KR" dirty="0" smtClean="0">
+                <a:solidFill>
+                  <a:schemeClr val="accent5"/>
+                </a:solidFill>
+                <a:latin typeface="배달의민족 도현" pitchFamily="50" charset="-127"/>
+                <a:ea typeface="배달의민족 도현" pitchFamily="50" charset="-127"/>
+              </a:rPr>
+              <a:t>S</a:t>
+            </a:r>
+            <a:r>
+              <a:rPr lang="en-US" altLang="ko-KR" dirty="0" smtClean="0">
+                <a:latin typeface="배달의민족 도현" pitchFamily="50" charset="-127"/>
+                <a:ea typeface="배달의민족 도현" pitchFamily="50" charset="-127"/>
+              </a:rPr>
+              <a:t>TART</a:t>
+            </a:r>
+            <a:r>
+              <a:rPr lang="en-US" altLang="ko-KR" dirty="0" smtClean="0">
+                <a:solidFill>
+                  <a:schemeClr val="accent5"/>
+                </a:solidFill>
+                <a:latin typeface="배달의민족 도현" pitchFamily="50" charset="-127"/>
+                <a:ea typeface="배달의민족 도현" pitchFamily="50" charset="-127"/>
+              </a:rPr>
+              <a:t>C</a:t>
+            </a:r>
+            <a:r>
+              <a:rPr lang="en-US" altLang="ko-KR" dirty="0" smtClean="0">
+                <a:latin typeface="배달의민족 도현" pitchFamily="50" charset="-127"/>
+                <a:ea typeface="배달의민족 도현" pitchFamily="50" charset="-127"/>
+              </a:rPr>
+              <a:t>ODING</a:t>
+            </a:r>
+            <a:endParaRPr lang="ko-KR" altLang="en-US" dirty="0">
+              <a:latin typeface="배달의민족 도현" pitchFamily="50" charset="-127"/>
+              <a:ea typeface="배달의민족 도현" pitchFamily="50" charset="-127"/>
+            </a:endParaRPr>
+          </a:p>
+        </p:txBody>
+      </p:sp>
+    </p:spTree>
+    <p:extLst>
+      <p:ext uri="{BB962C8B-B14F-4D97-AF65-F5344CB8AC3E}">
+        <p14:creationId xmlns:p14="http://schemas.microsoft.com/office/powerpoint/2010/main" val="2213269181"/>
+      </p:ext>
+    </p:extLst>
+  </p:cSld>
+  <p:clrMapOvr>
+    <a:masterClrMapping/>
+  </p:clrMapOvr>
+  <p:timing>
+    <p:tnLst>
+      <p:par>
+        <p:cTn id="1" dur="indefinite" restart="never" nodeType="tmRoot"/>
+      </p:par>
+    </p:tnLst>
+  </p:timing>
+</p:sld>
+</file>
+
+<file path=ppt/slides/slide16.xml><?xml version="1.0" encoding="utf-8"?>
+<p:sld xmlns:a="http://schemas.openxmlformats.org/drawingml/2006/main" xmlns:r="http://schemas.openxmlformats.org/officeDocument/2006/relationships" xmlns:p="http://schemas.openxmlformats.org/presentationml/2006/main">
+  <p:cSld>
+    <p:spTree>
+      <p:nvGrpSpPr>
+        <p:cNvPr id="1" name=""/>
+        <p:cNvGrpSpPr/>
+        <p:nvPr/>
+      </p:nvGrpSpPr>
+      <p:grpSpPr>
+        <a:xfrm>
+          <a:off x="0" y="0"/>
+          <a:ext cx="0" cy="0"/>
+          <a:chOff x="0" y="0"/>
+          <a:chExt cx="0" cy="0"/>
+        </a:xfrm>
+      </p:grpSpPr>
+      <p:sp>
+        <p:nvSpPr>
+          <p:cNvPr id="2" name="제목 1"/>
+          <p:cNvSpPr>
+            <a:spLocks noGrp="1"/>
+          </p:cNvSpPr>
+          <p:nvPr>
+            <p:ph type="ctrTitle"/>
+          </p:nvPr>
+        </p:nvSpPr>
+        <p:spPr/>
+        <p:txBody>
+          <a:bodyPr/>
+          <a:lstStyle/>
+          <a:p>
+            <a:r>
+              <a:rPr lang="ko-KR" altLang="en-US" dirty="0" smtClean="0">
+                <a:solidFill>
+                  <a:schemeClr val="accent5"/>
+                </a:solidFill>
+                <a:latin typeface="배달의민족 주아" pitchFamily="18" charset="-127"/>
+                <a:ea typeface="배달의민족 주아" pitchFamily="18" charset="-127"/>
+              </a:rPr>
+              <a:t>실습</a:t>
+            </a:r>
+            <a:r>
+              <a:rPr lang="en-US" altLang="ko-KR" dirty="0" smtClean="0">
+                <a:solidFill>
+                  <a:schemeClr val="accent5"/>
+                </a:solidFill>
+                <a:latin typeface="배달의민족 주아" pitchFamily="18" charset="-127"/>
+                <a:ea typeface="배달의민족 주아" pitchFamily="18" charset="-127"/>
+              </a:rPr>
+              <a:t>!</a:t>
+            </a:r>
+            <a:endParaRPr lang="ko-KR" altLang="en-US" dirty="0">
+              <a:solidFill>
+                <a:schemeClr val="accent5"/>
+              </a:solidFill>
+              <a:latin typeface="배달의민족 주아" pitchFamily="18" charset="-127"/>
+              <a:ea typeface="배달의민족 주아" pitchFamily="18" charset="-127"/>
+            </a:endParaRPr>
+          </a:p>
+        </p:txBody>
+      </p:sp>
+      <p:sp>
+        <p:nvSpPr>
+          <p:cNvPr id="3" name="TextBox 2"/>
+          <p:cNvSpPr txBox="1"/>
+          <p:nvPr/>
+        </p:nvSpPr>
+        <p:spPr>
+          <a:xfrm>
+            <a:off x="6804248" y="6134813"/>
+            <a:ext cx="1838965" cy="369332"/>
+          </a:xfrm>
+          <a:prstGeom prst="rect">
+            <a:avLst/>
+          </a:prstGeom>
+          <a:noFill/>
+        </p:spPr>
+        <p:txBody>
+          <a:bodyPr wrap="none" rtlCol="0">
+            <a:spAutoFit/>
+          </a:bodyPr>
+          <a:lstStyle>
+            <a:defPPr>
+              <a:defRPr lang="ko-KR"/>
+            </a:defPPr>
+            <a:lvl1pPr marL="0" algn="l" defTabSz="914400" rtl="0" eaLnBrk="1" latinLnBrk="1" hangingPunct="1">
+              <a:defRPr sz="1800" kern="1200">
+                <a:solidFill>
+                  <a:schemeClr val="tx1"/>
+                </a:solidFill>
+                <a:latin typeface="+mn-lt"/>
+                <a:ea typeface="+mn-ea"/>
+                <a:cs typeface="+mn-cs"/>
+              </a:defRPr>
+            </a:lvl1pPr>
+            <a:lvl2pPr marL="457200" algn="l" defTabSz="914400" rtl="0" eaLnBrk="1" latinLnBrk="1" hangingPunct="1">
+              <a:defRPr sz="1800" kern="1200">
+                <a:solidFill>
+                  <a:schemeClr val="tx1"/>
+                </a:solidFill>
+                <a:latin typeface="+mn-lt"/>
+                <a:ea typeface="+mn-ea"/>
+                <a:cs typeface="+mn-cs"/>
+              </a:defRPr>
+            </a:lvl2pPr>
+            <a:lvl3pPr marL="914400" algn="l" defTabSz="914400" rtl="0" eaLnBrk="1" latinLnBrk="1" hangingPunct="1">
+              <a:defRPr sz="1800" kern="1200">
+                <a:solidFill>
+                  <a:schemeClr val="tx1"/>
+                </a:solidFill>
+                <a:latin typeface="+mn-lt"/>
+                <a:ea typeface="+mn-ea"/>
+                <a:cs typeface="+mn-cs"/>
+              </a:defRPr>
+            </a:lvl3pPr>
+            <a:lvl4pPr marL="1371600" algn="l" defTabSz="914400" rtl="0" eaLnBrk="1" latinLnBrk="1" hangingPunct="1">
+              <a:defRPr sz="1800" kern="1200">
+                <a:solidFill>
+                  <a:schemeClr val="tx1"/>
+                </a:solidFill>
+                <a:latin typeface="+mn-lt"/>
+                <a:ea typeface="+mn-ea"/>
+                <a:cs typeface="+mn-cs"/>
+              </a:defRPr>
+            </a:lvl4pPr>
+            <a:lvl5pPr marL="1828800" algn="l" defTabSz="914400" rtl="0" eaLnBrk="1" latinLnBrk="1" hangingPunct="1">
+              <a:defRPr sz="1800" kern="1200">
+                <a:solidFill>
+                  <a:schemeClr val="tx1"/>
+                </a:solidFill>
+                <a:latin typeface="+mn-lt"/>
+                <a:ea typeface="+mn-ea"/>
+                <a:cs typeface="+mn-cs"/>
+              </a:defRPr>
+            </a:lvl5pPr>
+            <a:lvl6pPr marL="2286000" algn="l" defTabSz="914400" rtl="0" eaLnBrk="1" latinLnBrk="1" hangingPunct="1">
+              <a:defRPr sz="1800" kern="1200">
+                <a:solidFill>
+                  <a:schemeClr val="tx1"/>
+                </a:solidFill>
+                <a:latin typeface="+mn-lt"/>
+                <a:ea typeface="+mn-ea"/>
+                <a:cs typeface="+mn-cs"/>
+              </a:defRPr>
+            </a:lvl6pPr>
+            <a:lvl7pPr marL="2743200" algn="l" defTabSz="914400" rtl="0" eaLnBrk="1" latinLnBrk="1" hangingPunct="1">
+              <a:defRPr sz="1800" kern="1200">
+                <a:solidFill>
+                  <a:schemeClr val="tx1"/>
+                </a:solidFill>
+                <a:latin typeface="+mn-lt"/>
+                <a:ea typeface="+mn-ea"/>
+                <a:cs typeface="+mn-cs"/>
+              </a:defRPr>
+            </a:lvl7pPr>
+            <a:lvl8pPr marL="3200400" algn="l" defTabSz="914400" rtl="0" eaLnBrk="1" latinLnBrk="1" hangingPunct="1">
+              <a:defRPr sz="1800" kern="1200">
+                <a:solidFill>
+                  <a:schemeClr val="tx1"/>
+                </a:solidFill>
+                <a:latin typeface="+mn-lt"/>
+                <a:ea typeface="+mn-ea"/>
+                <a:cs typeface="+mn-cs"/>
+              </a:defRPr>
+            </a:lvl8pPr>
+            <a:lvl9pPr marL="3657600" algn="l" defTabSz="914400" rtl="0" eaLnBrk="1" latinLnBrk="1" hangingPunct="1">
+              <a:defRPr sz="1800" kern="1200">
+                <a:solidFill>
+                  <a:schemeClr val="tx1"/>
+                </a:solidFill>
+                <a:latin typeface="+mn-lt"/>
+                <a:ea typeface="+mn-ea"/>
+                <a:cs typeface="+mn-cs"/>
+              </a:defRPr>
+            </a:lvl9pPr>
+          </a:lstStyle>
+          <a:p>
+            <a:r>
+              <a:rPr lang="en-US" altLang="ko-KR" dirty="0" smtClean="0">
+                <a:solidFill>
+                  <a:schemeClr val="accent5"/>
+                </a:solidFill>
+                <a:latin typeface="배달의민족 도현" pitchFamily="50" charset="-127"/>
+                <a:ea typeface="배달의민족 도현" pitchFamily="50" charset="-127"/>
+              </a:rPr>
+              <a:t>S</a:t>
+            </a:r>
+            <a:r>
+              <a:rPr lang="en-US" altLang="ko-KR" dirty="0" smtClean="0">
+                <a:latin typeface="배달의민족 도현" pitchFamily="50" charset="-127"/>
+                <a:ea typeface="배달의민족 도현" pitchFamily="50" charset="-127"/>
+              </a:rPr>
+              <a:t>TART</a:t>
+            </a:r>
+            <a:r>
+              <a:rPr lang="en-US" altLang="ko-KR" dirty="0" smtClean="0">
+                <a:solidFill>
+                  <a:schemeClr val="accent5"/>
+                </a:solidFill>
+                <a:latin typeface="배달의민족 도현" pitchFamily="50" charset="-127"/>
+                <a:ea typeface="배달의민족 도현" pitchFamily="50" charset="-127"/>
+              </a:rPr>
+              <a:t>C</a:t>
+            </a:r>
+            <a:r>
+              <a:rPr lang="en-US" altLang="ko-KR" dirty="0" smtClean="0">
+                <a:latin typeface="배달의민족 도현" pitchFamily="50" charset="-127"/>
+                <a:ea typeface="배달의민족 도현" pitchFamily="50" charset="-127"/>
+              </a:rPr>
+              <a:t>ODING</a:t>
+            </a:r>
+            <a:endParaRPr lang="ko-KR" altLang="en-US" dirty="0">
+              <a:latin typeface="배달의민족 도현" pitchFamily="50" charset="-127"/>
+              <a:ea typeface="배달의민족 도현" pitchFamily="50" charset="-127"/>
+            </a:endParaRPr>
+          </a:p>
+        </p:txBody>
+      </p:sp>
+    </p:spTree>
+    <p:extLst>
+      <p:ext uri="{BB962C8B-B14F-4D97-AF65-F5344CB8AC3E}">
+        <p14:creationId xmlns:p14="http://schemas.microsoft.com/office/powerpoint/2010/main" val="3842579216"/>
+      </p:ext>
+    </p:extLst>
+  </p:cSld>
+  <p:clrMapOvr>
+    <a:masterClrMapping/>
+  </p:clrMapOvr>
+  <p:timing>
+    <p:tnLst>
+      <p:par>
+        <p:cTn id="1" dur="indefinite" restart="never" nodeType="tmRoot"/>
+      </p:par>
+    </p:tnLst>
+  </p:timing>
+</p:sld>
+</file>
+
+<file path=ppt/slides/slide17.xml><?xml version="1.0" encoding="utf-8"?>
+<p:sld xmlns:a="http://schemas.openxmlformats.org/drawingml/2006/main" xmlns:r="http://schemas.openxmlformats.org/officeDocument/2006/relationships" xmlns:p="http://schemas.openxmlformats.org/presentationml/2006/main">
+  <p:cSld>
+    <p:spTree>
+      <p:nvGrpSpPr>
+        <p:cNvPr id="1" name=""/>
+        <p:cNvGrpSpPr/>
+        <p:nvPr/>
+      </p:nvGrpSpPr>
+      <p:grpSpPr>
+        <a:xfrm>
+          <a:off x="0" y="0"/>
+          <a:ext cx="0" cy="0"/>
+          <a:chOff x="0" y="0"/>
+          <a:chExt cx="0" cy="0"/>
+        </a:xfrm>
+      </p:grpSpPr>
+      <p:sp>
+        <p:nvSpPr>
+          <p:cNvPr id="5" name="제목 1"/>
+          <p:cNvSpPr txBox="1">
+            <a:spLocks/>
+          </p:cNvSpPr>
+          <p:nvPr/>
+        </p:nvSpPr>
+        <p:spPr>
+          <a:xfrm>
+            <a:off x="827584" y="2204864"/>
+            <a:ext cx="7772400" cy="1470025"/>
+          </a:xfrm>
+          <a:prstGeom prst="rect">
+            <a:avLst/>
+          </a:prstGeom>
+        </p:spPr>
+        <p:txBody>
+          <a:bodyPr vert="horz" lIns="91440" tIns="45720" rIns="91440" bIns="45720" rtlCol="0" anchor="ctr">
+            <a:normAutofit/>
+          </a:bodyPr>
+          <a:lstStyle>
+            <a:lvl1pPr algn="ctr" defTabSz="914400" rtl="0" eaLnBrk="1" latinLnBrk="1" hangingPunct="1">
+              <a:spcBef>
+                <a:spcPct val="0"/>
+              </a:spcBef>
+              <a:buNone/>
+              <a:defRPr sz="4400" kern="1200">
+                <a:solidFill>
+                  <a:schemeClr val="tx1"/>
+                </a:solidFill>
+                <a:latin typeface="+mj-lt"/>
+                <a:ea typeface="+mj-ea"/>
+                <a:cs typeface="+mj-cs"/>
+              </a:defRPr>
+            </a:lvl1pPr>
+          </a:lstStyle>
+          <a:p>
+            <a:r>
+              <a:rPr lang="ko-KR" altLang="en-US" dirty="0" smtClean="0">
+                <a:latin typeface="배달의민족 주아" pitchFamily="18" charset="-127"/>
+                <a:ea typeface="배달의민족 주아" pitchFamily="18" charset="-127"/>
+              </a:rPr>
+              <a:t>감사합니다</a:t>
+            </a:r>
+            <a:endParaRPr lang="ko-KR" altLang="en-US" dirty="0">
+              <a:latin typeface="배달의민족 주아" pitchFamily="18" charset="-127"/>
+              <a:ea typeface="배달의민족 주아" pitchFamily="18" charset="-127"/>
+            </a:endParaRPr>
+          </a:p>
+        </p:txBody>
+      </p:sp>
+      <p:sp>
+        <p:nvSpPr>
+          <p:cNvPr id="3" name="TextBox 2"/>
+          <p:cNvSpPr txBox="1"/>
+          <p:nvPr/>
+        </p:nvSpPr>
+        <p:spPr>
+          <a:xfrm>
+            <a:off x="6804248" y="6134813"/>
+            <a:ext cx="1838965" cy="369332"/>
+          </a:xfrm>
+          <a:prstGeom prst="rect">
+            <a:avLst/>
+          </a:prstGeom>
+          <a:noFill/>
+        </p:spPr>
+        <p:txBody>
+          <a:bodyPr wrap="none" rtlCol="0">
+            <a:spAutoFit/>
+          </a:bodyPr>
+          <a:lstStyle>
+            <a:defPPr>
+              <a:defRPr lang="ko-KR"/>
+            </a:defPPr>
+            <a:lvl1pPr marL="0" algn="l" defTabSz="914400" rtl="0" eaLnBrk="1" latinLnBrk="1" hangingPunct="1">
+              <a:defRPr sz="1800" kern="1200">
+                <a:solidFill>
+                  <a:schemeClr val="tx1"/>
+                </a:solidFill>
+                <a:latin typeface="+mn-lt"/>
+                <a:ea typeface="+mn-ea"/>
+                <a:cs typeface="+mn-cs"/>
+              </a:defRPr>
+            </a:lvl1pPr>
+            <a:lvl2pPr marL="457200" algn="l" defTabSz="914400" rtl="0" eaLnBrk="1" latinLnBrk="1" hangingPunct="1">
+              <a:defRPr sz="1800" kern="1200">
+                <a:solidFill>
+                  <a:schemeClr val="tx1"/>
+                </a:solidFill>
+                <a:latin typeface="+mn-lt"/>
+                <a:ea typeface="+mn-ea"/>
+                <a:cs typeface="+mn-cs"/>
+              </a:defRPr>
+            </a:lvl2pPr>
+            <a:lvl3pPr marL="914400" algn="l" defTabSz="914400" rtl="0" eaLnBrk="1" latinLnBrk="1" hangingPunct="1">
+              <a:defRPr sz="1800" kern="1200">
+                <a:solidFill>
+                  <a:schemeClr val="tx1"/>
+                </a:solidFill>
+                <a:latin typeface="+mn-lt"/>
+                <a:ea typeface="+mn-ea"/>
+                <a:cs typeface="+mn-cs"/>
+              </a:defRPr>
+            </a:lvl3pPr>
+            <a:lvl4pPr marL="1371600" algn="l" defTabSz="914400" rtl="0" eaLnBrk="1" latinLnBrk="1" hangingPunct="1">
+              <a:defRPr sz="1800" kern="1200">
+                <a:solidFill>
+                  <a:schemeClr val="tx1"/>
+                </a:solidFill>
+                <a:latin typeface="+mn-lt"/>
+                <a:ea typeface="+mn-ea"/>
+                <a:cs typeface="+mn-cs"/>
+              </a:defRPr>
+            </a:lvl4pPr>
+            <a:lvl5pPr marL="1828800" algn="l" defTabSz="914400" rtl="0" eaLnBrk="1" latinLnBrk="1" hangingPunct="1">
+              <a:defRPr sz="1800" kern="1200">
+                <a:solidFill>
+                  <a:schemeClr val="tx1"/>
+                </a:solidFill>
+                <a:latin typeface="+mn-lt"/>
+                <a:ea typeface="+mn-ea"/>
+                <a:cs typeface="+mn-cs"/>
+              </a:defRPr>
+            </a:lvl5pPr>
+            <a:lvl6pPr marL="2286000" algn="l" defTabSz="914400" rtl="0" eaLnBrk="1" latinLnBrk="1" hangingPunct="1">
+              <a:defRPr sz="1800" kern="1200">
+                <a:solidFill>
+                  <a:schemeClr val="tx1"/>
+                </a:solidFill>
+                <a:latin typeface="+mn-lt"/>
+                <a:ea typeface="+mn-ea"/>
+                <a:cs typeface="+mn-cs"/>
+              </a:defRPr>
+            </a:lvl6pPr>
+            <a:lvl7pPr marL="2743200" algn="l" defTabSz="914400" rtl="0" eaLnBrk="1" latinLnBrk="1" hangingPunct="1">
+              <a:defRPr sz="1800" kern="1200">
+                <a:solidFill>
+                  <a:schemeClr val="tx1"/>
+                </a:solidFill>
+                <a:latin typeface="+mn-lt"/>
+                <a:ea typeface="+mn-ea"/>
+                <a:cs typeface="+mn-cs"/>
+              </a:defRPr>
+            </a:lvl7pPr>
+            <a:lvl8pPr marL="3200400" algn="l" defTabSz="914400" rtl="0" eaLnBrk="1" latinLnBrk="1" hangingPunct="1">
+              <a:defRPr sz="1800" kern="1200">
+                <a:solidFill>
+                  <a:schemeClr val="tx1"/>
+                </a:solidFill>
+                <a:latin typeface="+mn-lt"/>
+                <a:ea typeface="+mn-ea"/>
+                <a:cs typeface="+mn-cs"/>
+              </a:defRPr>
+            </a:lvl8pPr>
+            <a:lvl9pPr marL="3657600" algn="l" defTabSz="914400" rtl="0" eaLnBrk="1" latinLnBrk="1" hangingPunct="1">
+              <a:defRPr sz="1800" kern="1200">
+                <a:solidFill>
+                  <a:schemeClr val="tx1"/>
+                </a:solidFill>
+                <a:latin typeface="+mn-lt"/>
+                <a:ea typeface="+mn-ea"/>
+                <a:cs typeface="+mn-cs"/>
+              </a:defRPr>
+            </a:lvl9pPr>
+          </a:lstStyle>
+          <a:p>
+            <a:r>
+              <a:rPr lang="en-US" altLang="ko-KR" dirty="0" smtClean="0">
+                <a:solidFill>
+                  <a:schemeClr val="accent5"/>
+                </a:solidFill>
+                <a:latin typeface="배달의민족 도현" pitchFamily="50" charset="-127"/>
+                <a:ea typeface="배달의민족 도현" pitchFamily="50" charset="-127"/>
+              </a:rPr>
+              <a:t>S</a:t>
+            </a:r>
+            <a:r>
+              <a:rPr lang="en-US" altLang="ko-KR" dirty="0" smtClean="0">
+                <a:latin typeface="배달의민족 도현" pitchFamily="50" charset="-127"/>
+                <a:ea typeface="배달의민족 도현" pitchFamily="50" charset="-127"/>
+              </a:rPr>
+              <a:t>TART</a:t>
+            </a:r>
+            <a:r>
+              <a:rPr lang="en-US" altLang="ko-KR" dirty="0" smtClean="0">
+                <a:solidFill>
+                  <a:schemeClr val="accent5"/>
+                </a:solidFill>
+                <a:latin typeface="배달의민족 도현" pitchFamily="50" charset="-127"/>
+                <a:ea typeface="배달의민족 도현" pitchFamily="50" charset="-127"/>
+              </a:rPr>
+              <a:t>C</a:t>
+            </a:r>
+            <a:r>
+              <a:rPr lang="en-US" altLang="ko-KR" dirty="0" smtClean="0">
+                <a:latin typeface="배달의민족 도현" pitchFamily="50" charset="-127"/>
+                <a:ea typeface="배달의민족 도현" pitchFamily="50" charset="-127"/>
+              </a:rPr>
+              <a:t>ODING</a:t>
+            </a:r>
+            <a:endParaRPr lang="ko-KR" altLang="en-US" dirty="0">
+              <a:latin typeface="배달의민족 도현" pitchFamily="50" charset="-127"/>
+              <a:ea typeface="배달의민족 도현" pitchFamily="50" charset="-127"/>
+            </a:endParaRPr>
+          </a:p>
+        </p:txBody>
+      </p:sp>
+    </p:spTree>
+    <p:extLst>
+      <p:ext uri="{BB962C8B-B14F-4D97-AF65-F5344CB8AC3E}">
+        <p14:creationId xmlns:p14="http://schemas.microsoft.com/office/powerpoint/2010/main" val="984902709"/>
+      </p:ext>
+    </p:extLst>
+  </p:cSld>
+  <p:clrMapOvr>
+    <a:masterClrMapping/>
+  </p:clrMapOvr>
+  <p:timing>
+    <p:tnLst>
+      <p:par>
+        <p:cTn id="1" dur="indefinite" restart="never" nodeType="tmRoot"/>
+      </p:par>
+    </p:tnLst>
+  </p:timing>
+</p:sld>
+</file>
+
 <file path=ppt/slides/slide2.xml><?xml version="1.0" encoding="utf-8"?>
 <p:sld xmlns:a="http://schemas.openxmlformats.org/drawingml/2006/main" xmlns:r="http://schemas.openxmlformats.org/officeDocument/2006/relationships" xmlns:p="http://schemas.openxmlformats.org/presentationml/2006/main">
   <p:cSld>
@@ -3666,14 +6373,7 @@
                 <a:latin typeface="배달의민족 주아" pitchFamily="18" charset="-127"/>
                 <a:ea typeface="배달의민족 주아" pitchFamily="18" charset="-127"/>
               </a:rPr>
-              <a:t>h1, h2, h3, h4, h5, </a:t>
-            </a:r>
-            <a:r>
-              <a:rPr lang="en-US" altLang="ko-KR" sz="3600" dirty="0" smtClean="0">
-                <a:latin typeface="배달의민족 주아" pitchFamily="18" charset="-127"/>
-                <a:ea typeface="배달의민족 주아" pitchFamily="18" charset="-127"/>
-              </a:rPr>
-              <a:t>h6</a:t>
+              <a:t>h1, h2, h3, h4, h5, h6</a:t>
             </a:r>
           </a:p>
           <a:p>
@@ -4594,18 +7294,11 @@
           <a:lstStyle/>
           <a:p>
             <a:r>
-              <a:rPr lang="en-US" altLang="ko-KR" dirty="0" smtClean="0">
-                <a:latin typeface="배달의민족 주아" pitchFamily="18" charset="-127"/>
-                <a:ea typeface="배달의민족 주아" pitchFamily="18" charset="-127"/>
-              </a:rPr>
-              <a:t>a </a:t>
-            </a:r>
-            <a:r>
               <a:rPr lang="ko-KR" altLang="en-US" dirty="0" smtClean="0">
                 <a:latin typeface="배달의민족 주아" pitchFamily="18" charset="-127"/>
                 <a:ea typeface="배달의민족 주아" pitchFamily="18" charset="-127"/>
               </a:rPr>
-              <a:t>태그</a:t>
+              <a:t>글씨 강조 효과</a:t>
             </a:r>
             <a:endParaRPr lang="ko-KR" altLang="en-US" dirty="0">
               <a:latin typeface="배달의민족 주아" pitchFamily="18" charset="-127"/>
@@ -4774,7 +7467,7 @@
     </p:spTree>
     <p:extLst>
       <p:ext uri="{BB962C8B-B14F-4D97-AF65-F5344CB8AC3E}">
-        <p14:creationId xmlns:p14="http://schemas.microsoft.com/office/powerpoint/2010/main" val="1715178860"/>
+        <p14:creationId xmlns:p14="http://schemas.microsoft.com/office/powerpoint/2010/main" val="1402828592"/>
       </p:ext>
     </p:extLst>
   </p:cSld>
@@ -4810,7 +7503,90 @@
       </p:grpSpPr>
       <p:sp>
         <p:nvSpPr>
-          <p:cNvPr id="3" name="제목 1"/>
+          <p:cNvPr id="2" name="제목 1"/>
+          <p:cNvSpPr>
+            <a:spLocks noGrp="1"/>
+          </p:cNvSpPr>
+          <p:nvPr>
+            <p:ph type="ctrTitle"/>
+          </p:nvPr>
+        </p:nvSpPr>
+        <p:spPr>
+          <a:xfrm>
+            <a:off x="685800" y="1916832"/>
+            <a:ext cx="7772400" cy="1470025"/>
+          </a:xfrm>
+        </p:spPr>
+        <p:txBody>
+          <a:bodyPr>
+            <a:normAutofit/>
+          </a:bodyPr>
+          <a:lstStyle/>
+          <a:p>
+            <a:pPr>
+              <a:tabLst>
+                <a:tab pos="2247900" algn="l"/>
+              </a:tabLst>
+            </a:pPr>
+            <a:r>
+              <a:rPr lang="en-US" altLang="ko-KR" sz="3600" dirty="0" smtClean="0">
+                <a:latin typeface="배달의민족 주아" pitchFamily="18" charset="-127"/>
+                <a:ea typeface="배달의민족 주아" pitchFamily="18" charset="-127"/>
+              </a:rPr>
+              <a:t>&lt;p&gt; </a:t>
+            </a:r>
+            <a:r>
+              <a:rPr lang="en-US" altLang="ko-KR" sz="3600" dirty="0" smtClean="0">
+                <a:latin typeface="배달의민족 주아" pitchFamily="18" charset="-127"/>
+                <a:ea typeface="배달의민족 주아" pitchFamily="18" charset="-127"/>
+              </a:rPr>
+              <a:t>&lt;i&gt;</a:t>
+            </a:r>
+            <a:r>
+              <a:rPr lang="ko-KR" altLang="en-US" sz="3600" dirty="0" smtClean="0">
+                <a:latin typeface="배달의민족 주아" pitchFamily="18" charset="-127"/>
+                <a:ea typeface="배달의민족 주아" pitchFamily="18" charset="-127"/>
+              </a:rPr>
+              <a:t>강조된</a:t>
+            </a:r>
+            <a:r>
+              <a:rPr lang="en-US" altLang="ko-KR" sz="3600" dirty="0" smtClean="0">
+                <a:latin typeface="배달의민족 주아" pitchFamily="18" charset="-127"/>
+                <a:ea typeface="배달의민족 주아" pitchFamily="18" charset="-127"/>
+              </a:rPr>
+              <a:t>&lt;/i&gt; </a:t>
+            </a:r>
+            <a:r>
+              <a:rPr lang="ko-KR" altLang="en-US" sz="3600" dirty="0" smtClean="0">
+                <a:latin typeface="배달의민족 주아" pitchFamily="18" charset="-127"/>
+                <a:ea typeface="배달의민족 주아" pitchFamily="18" charset="-127"/>
+              </a:rPr>
+              <a:t>글씨입니다</a:t>
+            </a:r>
+            <a:r>
+              <a:rPr lang="en-US" altLang="ko-KR" sz="3600" dirty="0" smtClean="0">
+                <a:latin typeface="배달의민족 주아" pitchFamily="18" charset="-127"/>
+                <a:ea typeface="배달의민족 주아" pitchFamily="18" charset="-127"/>
+              </a:rPr>
+              <a:t> &lt;/</a:t>
+            </a:r>
+            <a:r>
+              <a:rPr lang="en-US" altLang="ko-KR" sz="3600" dirty="0" smtClean="0">
+                <a:latin typeface="배달의민족 주아" pitchFamily="18" charset="-127"/>
+                <a:ea typeface="배달의민족 주아" pitchFamily="18" charset="-127"/>
+              </a:rPr>
+              <a:t>p&gt;</a:t>
+            </a:r>
+            <a:endParaRPr lang="ko-KR" altLang="en-US" sz="3600" dirty="0">
+              <a:latin typeface="배달의민족 주아" pitchFamily="18" charset="-127"/>
+              <a:ea typeface="배달의민족 주아" pitchFamily="18" charset="-127"/>
+            </a:endParaRPr>
+          </a:p>
+        </p:txBody>
+      </p:sp>
+      <p:sp>
+        <p:nvSpPr>
+          <p:cNvPr id="4" name="제목 1"/>
           <p:cNvSpPr txBox="1">
             <a:spLocks/>
           </p:cNvSpPr>
@@ -4818,107 +7594,7 @@
         </p:nvSpPr>
         <p:spPr>
           <a:xfrm>
-            <a:off x="683568" y="2348880"/>
-            <a:ext cx="7772400" cy="1470025"/>
-          </a:xfrm>
-          <a:prstGeom prst="rect">
-            <a:avLst/>
-          </a:prstGeom>
-        </p:spPr>
-        <p:txBody>
-          <a:bodyPr vert="horz" lIns="91440" tIns="45720" rIns="91440" bIns="45720" rtlCol="0" anchor="ctr">
-            <a:normAutofit fontScale="85000" lnSpcReduction="10000"/>
-          </a:bodyPr>
-          <a:lstStyle>
-            <a:lvl1pPr algn="ctr" defTabSz="914400" rtl="0" eaLnBrk="1" latinLnBrk="1" hangingPunct="1">
-              <a:spcBef>
-                <a:spcPct val="0"/>
-              </a:spcBef>
-              <a:buNone/>
-              <a:defRPr sz="4400" kern="1200">
-                <a:solidFill>
-                  <a:schemeClr val="tx1"/>
-                </a:solidFill>
-                <a:latin typeface="+mj-lt"/>
-                <a:ea typeface="+mj-ea"/>
-                <a:cs typeface="+mj-cs"/>
-              </a:defRPr>
-            </a:lvl1pPr>
-          </a:lstStyle>
-          <a:p>
-            <a:r>
-              <a:rPr lang="en-US" altLang="ko-KR" dirty="0" smtClean="0">
-                <a:latin typeface="배달의민족 주아" pitchFamily="18" charset="-127"/>
-                <a:ea typeface="배달의민족 주아" pitchFamily="18" charset="-127"/>
-              </a:rPr>
-              <a:t>&lt;a</a:t>
-            </a:r>
-            <a:r>
-              <a:rPr lang="ko-KR" altLang="en-US" dirty="0" smtClean="0">
-                <a:latin typeface="배달의민족 주아" pitchFamily="18" charset="-127"/>
-                <a:ea typeface="배달의민족 주아" pitchFamily="18" charset="-127"/>
-              </a:rPr>
-              <a:t> </a:t>
-            </a:r>
-            <a:r>
-              <a:rPr lang="en-US" altLang="ko-KR" dirty="0" err="1" smtClean="0">
-                <a:latin typeface="배달의민족 주아" pitchFamily="18" charset="-127"/>
-                <a:ea typeface="배달의민족 주아" pitchFamily="18" charset="-127"/>
-              </a:rPr>
-              <a:t>href</a:t>
-            </a:r>
-            <a:r>
-              <a:rPr lang="en-US" altLang="ko-KR" dirty="0" smtClean="0">
-                <a:latin typeface="배달의민족 주아" pitchFamily="18" charset="-127"/>
-                <a:ea typeface="배달의민족 주아" pitchFamily="18" charset="-127"/>
-              </a:rPr>
-              <a:t>=“”https://www.naver.com””&gt; </a:t>
-            </a:r>
-            <a:br>
-              <a:rPr lang="en-US" altLang="ko-KR" dirty="0" smtClean="0">
-                <a:latin typeface="배달의민족 주아" pitchFamily="18" charset="-127"/>
-                <a:ea typeface="배달의민족 주아" pitchFamily="18" charset="-127"/>
-              </a:rPr>
-            </a:br>
-            <a:r>
-              <a:rPr lang="ko-KR" altLang="en-US" dirty="0" err="1" smtClean="0">
-                <a:latin typeface="배달의민족 주아" pitchFamily="18" charset="-127"/>
-                <a:ea typeface="배달의민족 주아" pitchFamily="18" charset="-127"/>
-              </a:rPr>
-              <a:t>네이버로이동</a:t>
-            </a:r>
-            <a:r>
-              <a:rPr lang="ko-KR" altLang="en-US" dirty="0" smtClean="0">
-                <a:latin typeface="배달의민족 주아" pitchFamily="18" charset="-127"/>
-                <a:ea typeface="배달의민족 주아" pitchFamily="18" charset="-127"/>
-              </a:rPr>
-              <a:t> </a:t>
-            </a:r>
-            <a:r>
-              <a:rPr lang="en-US" altLang="ko-KR" dirty="0" smtClean="0">
-                <a:latin typeface="배달의민족 주아" pitchFamily="18" charset="-127"/>
-                <a:ea typeface="배달의민족 주아" pitchFamily="18" charset="-127"/>
-              </a:rPr>
-              <a:t>&lt;/a&gt;</a:t>
-            </a:r>
-            <a:endParaRPr lang="ko-KR" altLang="en-US" dirty="0">
-              <a:latin typeface="배달의민족 주아" pitchFamily="18" charset="-127"/>
-              <a:ea typeface="배달의민족 주아" pitchFamily="18" charset="-127"/>
-            </a:endParaRPr>
-          </a:p>
-        </p:txBody>
-      </p:sp>
-      <p:sp>
-        <p:nvSpPr>
-          <p:cNvPr id="5" name="제목 1"/>
-          <p:cNvSpPr txBox="1">
-            <a:spLocks/>
-          </p:cNvSpPr>
-          <p:nvPr/>
-        </p:nvSpPr>
-        <p:spPr>
-          <a:xfrm>
-            <a:off x="838200" y="3284984"/>
+            <a:off x="838200" y="4077072"/>
             <a:ext cx="7772400" cy="1470025"/>
           </a:xfrm>
           <a:prstGeom prst="rect">
@@ -4947,26 +7623,47 @@
           </a:lstStyle>
           <a:p>
             <a:r>
+              <a:rPr lang="ko-KR" altLang="en-US" sz="3600" dirty="0" err="1" smtClean="0">
+                <a:solidFill>
+                  <a:schemeClr val="accent5"/>
+                </a:solidFill>
+                <a:latin typeface="배달의민족 주아" pitchFamily="18" charset="-127"/>
+                <a:ea typeface="배달의민족 주아" pitchFamily="18" charset="-127"/>
+              </a:rPr>
+              <a:t>이탤릭</a:t>
+            </a:r>
+            <a:r>
+              <a:rPr lang="ko-KR" altLang="en-US" sz="3600" dirty="0" err="1">
+                <a:solidFill>
+                  <a:schemeClr val="accent5"/>
+                </a:solidFill>
+                <a:latin typeface="배달의민족 주아" pitchFamily="18" charset="-127"/>
+                <a:ea typeface="배달의민족 주아" pitchFamily="18" charset="-127"/>
+              </a:rPr>
+              <a:t>체</a:t>
+            </a:r>
+            <a:r>
+              <a:rPr lang="ko-KR" altLang="en-US" sz="3600" dirty="0" err="1" smtClean="0">
+                <a:latin typeface="배달의민족 주아" pitchFamily="18" charset="-127"/>
+                <a:ea typeface="배달의민족 주아" pitchFamily="18" charset="-127"/>
+              </a:rPr>
+              <a:t>을</a:t>
+            </a:r>
+            <a:r>
               <a:rPr lang="ko-KR" altLang="en-US" sz="3600" dirty="0" smtClean="0">
                 <a:latin typeface="배달의민족 주아" pitchFamily="18" charset="-127"/>
                 <a:ea typeface="배달의민족 주아" pitchFamily="18" charset="-127"/>
               </a:rPr>
-              <a:t>클릭할 경우 해당 주소로 </a:t>
+              <a:t> 표현할 </a:t>
             </a:r>
             <a:r>
               <a:rPr lang="ko-KR" altLang="en-US" sz="3600" dirty="0" smtClean="0">
-                <a:solidFill>
-                  <a:schemeClr val="accent5"/>
-                </a:solidFill>
-                <a:latin typeface="배달의민족 주아" pitchFamily="18" charset="-127"/>
-                <a:ea typeface="배달의민족 주아" pitchFamily="18" charset="-127"/>
-              </a:rPr>
-              <a:t>이동</a:t>
+                <a:latin typeface="배달의민족 주아" pitchFamily="18" charset="-127"/>
+                <a:ea typeface="배달의민족 주아" pitchFamily="18" charset="-127"/>
+              </a:rPr>
+              <a:t>때 사용</a:t>
             </a:r>
             <a:endParaRPr lang="en-US" altLang="ko-KR" sz="3600" dirty="0" smtClean="0">
-              <a:solidFill>
-                <a:schemeClr val="accent5"/>
-              </a:solidFill>
               <a:latin typeface="배달의민족 주아" pitchFamily="18" charset="-127"/>
               <a:ea typeface="배달의민족 주아" pitchFamily="18" charset="-127"/>
             </a:endParaRPr>
@@ -4975,7 +7672,7 @@
       </p:sp>
       <p:sp>
         <p:nvSpPr>
-          <p:cNvPr id="4" name="TextBox 3"/>
+          <p:cNvPr id="5" name="TextBox 4"/>
           <p:cNvSpPr txBox="1"/>
           <p:nvPr/>
         </p:nvSpPr>
@@ -5130,10 +7827,123 @@
           </a:p>
         </p:txBody>
       </p:sp>
+      <p:sp>
+        <p:nvSpPr>
+          <p:cNvPr id="6" name="제목 1"/>
+          <p:cNvSpPr txBox="1">
+            <a:spLocks/>
+          </p:cNvSpPr>
+          <p:nvPr/>
+        </p:nvSpPr>
+        <p:spPr>
+          <a:xfrm>
+            <a:off x="685800" y="2420888"/>
+            <a:ext cx="7772400" cy="1470025"/>
+          </a:xfrm>
+          <a:prstGeom prst="rect">
+            <a:avLst/>
+          </a:prstGeom>
+        </p:spPr>
+        <p:txBody>
+          <a:bodyPr vert="horz" lIns="91440" tIns="45720" rIns="91440" bIns="45720" rtlCol="0" anchor="ctr">
+            <a:normAutofit/>
+          </a:bodyPr>
+          <a:lstStyle>
+            <a:lvl1pPr algn="ctr" defTabSz="914400" rtl="0" eaLnBrk="1" latinLnBrk="1" hangingPunct="1">
+              <a:spcBef>
+                <a:spcPct val="0"/>
+              </a:spcBef>
+              <a:buNone/>
+              <a:defRPr sz="4400" kern="1200">
+                <a:solidFill>
+                  <a:schemeClr val="tx1"/>
+                </a:solidFill>
+                <a:latin typeface="+mj-lt"/>
+                <a:ea typeface="+mj-ea"/>
+                <a:cs typeface="+mj-cs"/>
+              </a:defRPr>
+            </a:lvl1pPr>
+          </a:lstStyle>
+          <a:p>
+            <a:pPr>
+              <a:tabLst>
+                <a:tab pos="2247900" algn="l"/>
+              </a:tabLst>
+            </a:pPr>
+            <a:r>
+              <a:rPr lang="en-US" altLang="ko-KR" sz="3600" dirty="0" smtClean="0">
+                <a:latin typeface="배달의민족 주아" pitchFamily="18" charset="-127"/>
+                <a:ea typeface="배달의민족 주아" pitchFamily="18" charset="-127"/>
+              </a:rPr>
+              <a:t>&lt;p&gt; &lt;</a:t>
+            </a:r>
+            <a:r>
+              <a:rPr lang="en-US" altLang="ko-KR" sz="3600" dirty="0" err="1" smtClean="0">
+                <a:latin typeface="배달의민족 주아" pitchFamily="18" charset="-127"/>
+                <a:ea typeface="배달의민족 주아" pitchFamily="18" charset="-127"/>
+              </a:rPr>
+              <a:t>em</a:t>
+            </a:r>
+            <a:r>
+              <a:rPr lang="en-US" altLang="ko-KR" sz="3600" dirty="0" smtClean="0">
+                <a:latin typeface="배달의민족 주아" pitchFamily="18" charset="-127"/>
+                <a:ea typeface="배달의민족 주아" pitchFamily="18" charset="-127"/>
+              </a:rPr>
+              <a:t>&gt;</a:t>
+            </a:r>
+            <a:r>
+              <a:rPr lang="ko-KR" altLang="en-US" sz="3600" dirty="0" smtClean="0">
+                <a:latin typeface="배달의민족 주아" pitchFamily="18" charset="-127"/>
+                <a:ea typeface="배달의민족 주아" pitchFamily="18" charset="-127"/>
+              </a:rPr>
+              <a:t>강조된</a:t>
+            </a:r>
+            <a:r>
+              <a:rPr lang="en-US" altLang="ko-KR" sz="3600" dirty="0" smtClean="0">
+                <a:latin typeface="배달의민족 주아" pitchFamily="18" charset="-127"/>
+                <a:ea typeface="배달의민족 주아" pitchFamily="18" charset="-127"/>
+              </a:rPr>
+              <a:t>&lt;/</a:t>
+            </a:r>
+            <a:r>
+              <a:rPr lang="en-US" altLang="ko-KR" sz="3600" dirty="0" err="1" smtClean="0">
+                <a:latin typeface="배달의민족 주아" pitchFamily="18" charset="-127"/>
+                <a:ea typeface="배달의민족 주아" pitchFamily="18" charset="-127"/>
+              </a:rPr>
+              <a:t>em</a:t>
+            </a:r>
+            <a:r>
+              <a:rPr lang="en-US" altLang="ko-KR" sz="3600" dirty="0" smtClean="0">
+                <a:latin typeface="배달의민족 주아" pitchFamily="18" charset="-127"/>
+                <a:ea typeface="배달의민족 주아" pitchFamily="18" charset="-127"/>
+              </a:rPr>
+              <a:t>&gt; </a:t>
+            </a:r>
+            <a:r>
+              <a:rPr lang="ko-KR" altLang="en-US" sz="3600" dirty="0" smtClean="0">
+                <a:latin typeface="배달의민족 주아" pitchFamily="18" charset="-127"/>
+                <a:ea typeface="배달의민족 주아" pitchFamily="18" charset="-127"/>
+              </a:rPr>
+              <a:t>글씨입니다</a:t>
+            </a:r>
+            <a:r>
+              <a:rPr lang="en-US" altLang="ko-KR" sz="3600" dirty="0" smtClean="0">
+                <a:latin typeface="배달의민족 주아" pitchFamily="18" charset="-127"/>
+                <a:ea typeface="배달의민족 주아" pitchFamily="18" charset="-127"/>
+              </a:rPr>
+              <a:t> &lt;/p&gt;</a:t>
+            </a:r>
+            <a:endParaRPr lang="ko-KR" altLang="en-US" sz="3600" dirty="0">
+              <a:latin typeface="배달의민족 주아" pitchFamily="18" charset="-127"/>
+              <a:ea typeface="배달의민족 주아" pitchFamily="18" charset="-127"/>
+            </a:endParaRPr>
+          </a:p>
+        </p:txBody>
+      </p:sp>
     </p:spTree>
     <p:extLst>
       <p:ext uri="{BB962C8B-B14F-4D97-AF65-F5344CB8AC3E}">
-        <p14:creationId xmlns:p14="http://schemas.microsoft.com/office/powerpoint/2010/main" val="1257734880"/>
+        <p14:creationId xmlns:p14="http://schemas.microsoft.com/office/powerpoint/2010/main" val="2099830863"/>
       </p:ext>
     </p:extLst>
   </p:cSld>
@@ -5174,7 +7984,7 @@
                                           </p:stCondLst>
                                         </p:cTn>
                                         <p:tgtEl>
-                                          <p:spTgt spid="5"/>
+                                          <p:spTgt spid="4"/>
                                         </p:tgtEl>
                                         <p:attrNameLst>
                                           <p:attrName>style.visibility</p:attrName>
@@ -5188,7 +7998,7 @@
                                       <p:cBhvr>
                                         <p:cTn id="7" dur="500"/>
                                         <p:tgtEl>
-                                          <p:spTgt spid="5"/>
+                                          <p:spTgt spid="4"/>
                                         </p:tgtEl>
                                       </p:cBhvr>
                                     </p:animEffect>
@@ -5223,7 +8033,7 @@
       </p:par>
     </p:tnLst>
     <p:bldLst>
-      <p:bldP spid="5" grpId="0"/>
+      <p:bldP spid="4" grpId="0"/>
     </p:bldLst>
   </p:timing>
 </p:sld>
@@ -5256,35 +8066,73 @@
             <p:ph type="ctrTitle"/>
           </p:nvPr>
         </p:nvSpPr>
-        <p:spPr/>
-        <p:txBody>
-          <a:bodyPr/>
+        <p:spPr>
+          <a:xfrm>
+            <a:off x="685800" y="1844824"/>
+            <a:ext cx="7772400" cy="1470025"/>
+          </a:xfrm>
+        </p:spPr>
+        <p:txBody>
+          <a:bodyPr>
+            <a:normAutofit/>
+          </a:bodyPr>
           <a:lstStyle/>
           <a:p>
-            <a:r>
-              <a:rPr lang="ko-KR" altLang="en-US" dirty="0" smtClean="0">
-                <a:solidFill>
-                  <a:schemeClr val="accent5"/>
-                </a:solidFill>
-                <a:latin typeface="배달의민족 주아" pitchFamily="18" charset="-127"/>
-                <a:ea typeface="배달의민족 주아" pitchFamily="18" charset="-127"/>
-              </a:rPr>
-              <a:t>실습</a:t>
-            </a:r>
-            <a:r>
-              <a:rPr lang="en-US" altLang="ko-KR" dirty="0" smtClean="0">
-                <a:solidFill>
-                  <a:schemeClr val="accent5"/>
-                </a:solidFill>
-                <a:latin typeface="배달의민족 주아" pitchFamily="18" charset="-127"/>
-                <a:ea typeface="배달의민족 주아" pitchFamily="18" charset="-127"/>
-              </a:rPr>
-              <a:t>!</a:t>
-            </a:r>
-            <a:endParaRPr lang="ko-KR" altLang="en-US" dirty="0">
-              <a:solidFill>
-                <a:schemeClr val="accent5"/>
-              </a:solidFill>
+            <a:pPr>
+              <a:tabLst>
+                <a:tab pos="2247900" algn="l"/>
+              </a:tabLst>
+            </a:pPr>
+            <a:r>
+              <a:rPr lang="en-US" altLang="ko-KR" sz="3600" dirty="0" smtClean="0">
+                <a:latin typeface="배달의민족 주아" pitchFamily="18" charset="-127"/>
+                <a:ea typeface="배달의민족 주아" pitchFamily="18" charset="-127"/>
+              </a:rPr>
+              <a:t>&lt;p&gt; </a:t>
+            </a:r>
+            <a:r>
+              <a:rPr lang="en-US" altLang="ko-KR" sz="3600" dirty="0" smtClean="0">
+                <a:latin typeface="배달의민족 주아" pitchFamily="18" charset="-127"/>
+                <a:ea typeface="배달의민족 주아" pitchFamily="18" charset="-127"/>
+              </a:rPr>
+              <a:t>&lt;b&gt;</a:t>
+            </a:r>
+            <a:r>
+              <a:rPr lang="ko-KR" altLang="en-US" sz="3600" dirty="0" smtClean="0">
+                <a:latin typeface="배달의민족 주아" pitchFamily="18" charset="-127"/>
+                <a:ea typeface="배달의민족 주아" pitchFamily="18" charset="-127"/>
+              </a:rPr>
+              <a:t>굵은</a:t>
+            </a:r>
+            <a:r>
+              <a:rPr lang="en-US" altLang="ko-KR" sz="3600" dirty="0" smtClean="0">
+                <a:latin typeface="배달의민족 주아" pitchFamily="18" charset="-127"/>
+                <a:ea typeface="배달의민족 주아" pitchFamily="18" charset="-127"/>
+              </a:rPr>
+              <a:t>&lt;/b&gt; </a:t>
+            </a:r>
+            <a:r>
+              <a:rPr lang="ko-KR" altLang="en-US" sz="3600" dirty="0" smtClean="0">
+                <a:latin typeface="배달의민족 주아" pitchFamily="18" charset="-127"/>
+                <a:ea typeface="배달의민족 주아" pitchFamily="18" charset="-127"/>
+              </a:rPr>
+              <a:t>글씨입니다</a:t>
+            </a:r>
+            <a:r>
+              <a:rPr lang="en-US" altLang="ko-KR" sz="3600" dirty="0" smtClean="0">
+                <a:latin typeface="배달의민족 주아" pitchFamily="18" charset="-127"/>
+                <a:ea typeface="배달의민족 주아" pitchFamily="18" charset="-127"/>
+              </a:rPr>
+              <a:t> &lt;/</a:t>
+            </a:r>
+            <a:r>
+              <a:rPr lang="en-US" altLang="ko-KR" sz="3600" dirty="0" smtClean="0">
+                <a:latin typeface="배달의민족 주아" pitchFamily="18" charset="-127"/>
+                <a:ea typeface="배달의민족 주아" pitchFamily="18" charset="-127"/>
+              </a:rPr>
+              <a:t>p&gt;</a:t>
+            </a:r>
+            <a:endParaRPr lang="ko-KR" altLang="en-US" sz="3600" dirty="0">
               <a:latin typeface="배달의민족 주아" pitchFamily="18" charset="-127"/>
               <a:ea typeface="배달의민족 주아" pitchFamily="18" charset="-127"/>
             </a:endParaRPr>
@@ -5293,7 +8141,76 @@
       </p:sp>
       <p:sp>
         <p:nvSpPr>
-          <p:cNvPr id="3" name="TextBox 2"/>
+          <p:cNvPr id="4" name="제목 1"/>
+          <p:cNvSpPr txBox="1">
+            <a:spLocks/>
+          </p:cNvSpPr>
+          <p:nvPr/>
+        </p:nvSpPr>
+        <p:spPr>
+          <a:xfrm>
+            <a:off x="838200" y="4221088"/>
+            <a:ext cx="7772400" cy="1470025"/>
+          </a:xfrm>
+          <a:prstGeom prst="rect">
+            <a:avLst/>
+          </a:prstGeom>
+        </p:spPr>
+        <p:txBody>
+          <a:bodyPr vert="horz" lIns="91440" tIns="45720" rIns="91440" bIns="45720" rtlCol="0" anchor="ctr">
+            <a:normAutofit/>
+          </a:bodyPr>
+          <a:lstStyle>
+            <a:lvl1pPr algn="ctr" defTabSz="914400" rtl="0" eaLnBrk="1" latinLnBrk="1" hangingPunct="1">
+              <a:spcBef>
+                <a:spcPct val="0"/>
+              </a:spcBef>
+              <a:buNone/>
+              <a:defRPr sz="4400" kern="1200">
+                <a:solidFill>
+                  <a:schemeClr val="tx1"/>
+                </a:solidFill>
+                <a:latin typeface="+mj-lt"/>
+                <a:ea typeface="+mj-ea"/>
+                <a:cs typeface="+mj-cs"/>
+              </a:defRPr>
+            </a:lvl1pPr>
+          </a:lstStyle>
+          <a:p>
+            <a:r>
+              <a:rPr lang="ko-KR" altLang="en-US" sz="3600" dirty="0" smtClean="0">
+                <a:solidFill>
+                  <a:schemeClr val="accent5"/>
+                </a:solidFill>
+                <a:latin typeface="배달의민족 주아" pitchFamily="18" charset="-127"/>
+                <a:ea typeface="배달의민족 주아" pitchFamily="18" charset="-127"/>
+              </a:rPr>
+              <a:t>굵은 문자를</a:t>
+            </a:r>
+            <a:r>
+              <a:rPr lang="ko-KR" altLang="en-US" sz="3600" dirty="0" smtClean="0">
+                <a:latin typeface="배달의민족 주아" pitchFamily="18" charset="-127"/>
+                <a:ea typeface="배달의민족 주아" pitchFamily="18" charset="-127"/>
+              </a:rPr>
+              <a:t> 표현할 </a:t>
+            </a:r>
+            <a:r>
+              <a:rPr lang="ko-KR" altLang="en-US" sz="3600" dirty="0" smtClean="0">
+                <a:latin typeface="배달의민족 주아" pitchFamily="18" charset="-127"/>
+                <a:ea typeface="배달의민족 주아" pitchFamily="18" charset="-127"/>
+              </a:rPr>
+              <a:t>때 사용</a:t>
+            </a:r>
+            <a:endParaRPr lang="en-US" altLang="ko-KR" sz="3600" dirty="0" smtClean="0">
+              <a:latin typeface="배달의민족 주아" pitchFamily="18" charset="-127"/>
+              <a:ea typeface="배달의민족 주아" pitchFamily="18" charset="-127"/>
+            </a:endParaRPr>
+          </a:p>
+        </p:txBody>
+      </p:sp>
+      <p:sp>
+        <p:nvSpPr>
+          <p:cNvPr id="5" name="TextBox 4"/>
           <p:cNvSpPr txBox="1"/>
           <p:nvPr/>
         </p:nvSpPr>
@@ -5448,10 +8365,102 @@
           </a:p>
         </p:txBody>
       </p:sp>
+      <p:sp>
+        <p:nvSpPr>
+          <p:cNvPr id="6" name="제목 1"/>
+          <p:cNvSpPr txBox="1">
+            <a:spLocks/>
+          </p:cNvSpPr>
+          <p:nvPr/>
+        </p:nvSpPr>
+        <p:spPr>
+          <a:xfrm>
+            <a:off x="685800" y="2855367"/>
+            <a:ext cx="7772400" cy="1470025"/>
+          </a:xfrm>
+          <a:prstGeom prst="rect">
+            <a:avLst/>
+          </a:prstGeom>
+        </p:spPr>
+        <p:txBody>
+          <a:bodyPr vert="horz" lIns="91440" tIns="45720" rIns="91440" bIns="45720" rtlCol="0" anchor="ctr">
+            <a:normAutofit/>
+          </a:bodyPr>
+          <a:lstStyle>
+            <a:lvl1pPr algn="ctr" defTabSz="914400" rtl="0" eaLnBrk="1" latinLnBrk="1" hangingPunct="1">
+              <a:spcBef>
+                <a:spcPct val="0"/>
+              </a:spcBef>
+              <a:buNone/>
+              <a:defRPr sz="4400" kern="1200">
+                <a:solidFill>
+                  <a:schemeClr val="tx1"/>
+                </a:solidFill>
+                <a:latin typeface="+mj-lt"/>
+                <a:ea typeface="+mj-ea"/>
+                <a:cs typeface="+mj-cs"/>
+              </a:defRPr>
+            </a:lvl1pPr>
+          </a:lstStyle>
+          <a:p>
+            <a:pPr>
+              <a:tabLst>
+                <a:tab pos="2247900" algn="l"/>
+              </a:tabLst>
+            </a:pPr>
+            <a:r>
+              <a:rPr lang="en-US" altLang="ko-KR" sz="3600" dirty="0" smtClean="0">
+                <a:latin typeface="배달의민족 주아" pitchFamily="18" charset="-127"/>
+                <a:ea typeface="배달의민족 주아" pitchFamily="18" charset="-127"/>
+              </a:rPr>
+              <a:t>&lt;p&gt; &lt;strong&gt;</a:t>
+            </a:r>
+            <a:r>
+              <a:rPr lang="ko-KR" altLang="en-US" sz="3600" dirty="0" smtClean="0">
+                <a:latin typeface="배달의민족 주아" pitchFamily="18" charset="-127"/>
+                <a:ea typeface="배달의민족 주아" pitchFamily="18" charset="-127"/>
+              </a:rPr>
+              <a:t>굵은</a:t>
+            </a:r>
+            <a:r>
+              <a:rPr lang="en-US" altLang="ko-KR" sz="3600" dirty="0" smtClean="0">
+                <a:latin typeface="배달의민족 주아" pitchFamily="18" charset="-127"/>
+                <a:ea typeface="배달의민족 주아" pitchFamily="18" charset="-127"/>
+              </a:rPr>
+              <a:t>&lt;/strong&gt; </a:t>
+            </a:r>
+          </a:p>
+          <a:p>
+            <a:pPr>
+              <a:tabLst>
+                <a:tab pos="2247900" algn="l"/>
+              </a:tabLst>
+            </a:pPr>
+            <a:r>
+              <a:rPr lang="ko-KR" altLang="en-US" sz="3600" dirty="0" smtClean="0">
+                <a:latin typeface="배달의민족 주아" pitchFamily="18" charset="-127"/>
+                <a:ea typeface="배달의민족 주아" pitchFamily="18" charset="-127"/>
+              </a:rPr>
+              <a:t>글씨입니다</a:t>
+            </a:r>
+            <a:r>
+              <a:rPr lang="en-US" altLang="ko-KR" sz="3600" dirty="0" smtClean="0">
+                <a:latin typeface="배달의민족 주아" pitchFamily="18" charset="-127"/>
+                <a:ea typeface="배달의민족 주아" pitchFamily="18" charset="-127"/>
+              </a:rPr>
+              <a:t> &lt;/p&gt;</a:t>
+            </a:r>
+            <a:endParaRPr lang="ko-KR" altLang="en-US" sz="3600" dirty="0">
+              <a:latin typeface="배달의민족 주아" pitchFamily="18" charset="-127"/>
+              <a:ea typeface="배달의민족 주아" pitchFamily="18" charset="-127"/>
+            </a:endParaRPr>
+          </a:p>
+        </p:txBody>
+      </p:sp>
     </p:spTree>
     <p:extLst>
       <p:ext uri="{BB962C8B-B14F-4D97-AF65-F5344CB8AC3E}">
-        <p14:creationId xmlns:p14="http://schemas.microsoft.com/office/powerpoint/2010/main" val="3842579216"/>
+        <p14:creationId xmlns:p14="http://schemas.microsoft.com/office/powerpoint/2010/main" val="977770888"/>
       </p:ext>
     </p:extLst>
   </p:cSld>
@@ -5461,9 +8470,88 @@
   <p:timing>
     <p:tnLst>
       <p:par>
-        <p:cTn id="1" dur="indefinite" restart="never" nodeType="tmRoot"/>
+        <p:cTn id="1" dur="indefinite" restart="never" nodeType="tmRoot">
+          <p:childTnLst>
+            <p:seq concurrent="1" nextAc="seek">
+              <p:cTn id="2" dur="indefinite" nodeType="mainSeq">
+                <p:childTnLst>
+                  <p:par>
+                    <p:cTn id="3" fill="hold">
+                      <p:stCondLst>
+                        <p:cond delay="indefinite"/>
+                      </p:stCondLst>
+                      <p:childTnLst>
+                        <p:par>
+                          <p:cTn id="4" fill="hold">
+                            <p:stCondLst>
+                              <p:cond delay="0"/>
+                            </p:stCondLst>
+                            <p:childTnLst>
+                              <p:par>
+                                <p:cTn id="5" presetID="10" presetClass="entr" presetSubtype="0" fill="hold" grpId="0" nodeType="clickEffect">
+                                  <p:stCondLst>
+                                    <p:cond delay="0"/>
+                                  </p:stCondLst>
+                                  <p:childTnLst>
+                                    <p:set>
+                                      <p:cBhvr>
+                                        <p:cTn id="6" dur="1" fill="hold">
+                                          <p:stCondLst>
+                                            <p:cond delay="0"/>
+                                          </p:stCondLst>
+                                        </p:cTn>
+                                        <p:tgtEl>
+                                          <p:spTgt spid="4"/>
+                                        </p:tgtEl>
+                                        <p:attrNameLst>
+                                          <p:attrName>style.visibility</p:attrName>
+                                        </p:attrNameLst>
+                                      </p:cBhvr>
+                                      <p:to>
+                                        <p:strVal val="visible"/>
+                                      </p:to>
+                                    </p:set>
+                                    <p:animEffect transition="in" filter="fade">
+                                      <p:cBhvr>
+                                        <p:cTn id="7" dur="500"/>
+                                        <p:tgtEl>
+                                          <p:spTgt spid="4"/>
+                                        </p:tgtEl>
+                                      </p:cBhvr>
+                                    </p:animEffect>
+                                  </p:childTnLst>
+                                </p:cTn>
+                              </p:par>
+                            </p:childTnLst>
+                          </p:cTn>
+                        </p:par>
+                      </p:childTnLst>
+                    </p:cTn>
+                  </p:par>
+                </p:childTnLst>
+              </p:cTn>
+              <p:prevCondLst>
+                <p:cond evt="onPrev" delay="0">
+                  <p:tgtEl>
+                    <p:sldTgt/>
+                  </p:tgtEl>
+                </p:cond>
+              </p:prevCondLst>
+              <p:nextCondLst>
+                <p:cond evt="onNext" delay="0">
+                  <p:tgtEl>
+                    <p:sldTgt/>
+                  </p:tgtEl>
+                </p:cond>
+              </p:nextCondLst>
+            </p:seq>
+          </p:childTnLst>
+        </p:cTn>
       </p:par>
     </p:tnLst>
+    <p:bldLst>
+      <p:bldP spid="4" grpId="0"/>
+    </p:bldLst>
   </p:timing>
 </p:sld>
 </file>
@@ -5487,48 +8575,25 @@
       </p:grpSpPr>
       <p:sp>
         <p:nvSpPr>
-          <p:cNvPr id="5" name="제목 1"/>
-          <p:cNvSpPr txBox="1">
-            <a:spLocks/>
+          <p:cNvPr id="2" name="제목 1"/>
+          <p:cNvSpPr>
+            <a:spLocks noGrp="1"/>
           </p:cNvSpPr>
-          <p:nvPr/>
-        </p:nvSpPr>
-        <p:spPr>
-          <a:xfrm>
-            <a:off x="827584" y="2204864"/>
-            <a:ext cx="7772400" cy="1470025"/>
-          </a:xfrm>
-          <a:prstGeom prst="rect">
-            <a:avLst/>
-          </a:prstGeom>
-        </p:spPr>
-        <p:txBody>
-          <a:bodyPr vert="horz" lIns="91440" tIns="45720" rIns="91440" bIns="45720" rtlCol="0" anchor="ctr">
-            <a:normAutofit/>
-          </a:bodyPr>
-          <a:lstStyle>
-            <a:lvl1pPr algn="ctr" defTabSz="914400" rtl="0" eaLnBrk="1" latinLnBrk="1" hangingPunct="1">
-              <a:spcBef>
-                <a:spcPct val="0"/>
-              </a:spcBef>
-              <a:buNone/>
-              <a:defRPr sz="4400" kern="1200">
-                <a:solidFill>
-                  <a:schemeClr val="tx1"/>
-                </a:solidFill>
-                <a:latin typeface="+mj-lt"/>
-                <a:ea typeface="+mj-ea"/>
-                <a:cs typeface="+mj-cs"/>
-              </a:defRPr>
-            </a:lvl1pPr>
-          </a:lstStyle>
+          <p:nvPr>
+            <p:ph type="ctrTitle"/>
+          </p:nvPr>
+        </p:nvSpPr>
+        <p:spPr/>
+        <p:txBody>
+          <a:bodyPr/>
+          <a:lstStyle/>
           <a:p>
             <a:r>
               <a:rPr lang="ko-KR" altLang="en-US" dirty="0" smtClean="0">
                 <a:latin typeface="배달의민족 주아" pitchFamily="18" charset="-127"/>
                 <a:ea typeface="배달의민족 주아" pitchFamily="18" charset="-127"/>
               </a:rPr>
-              <a:t>감사합니다</a:t>
+              <a:t>줄 나누기와 수평선</a:t>
             </a:r>
             <a:endParaRPr lang="ko-KR" altLang="en-US" dirty="0">
               <a:latin typeface="배달의민족 주아" pitchFamily="18" charset="-127"/>
@@ -5697,7 +8762,7 @@
     </p:spTree>
     <p:extLst>
       <p:ext uri="{BB962C8B-B14F-4D97-AF65-F5344CB8AC3E}">
-        <p14:creationId xmlns:p14="http://schemas.microsoft.com/office/powerpoint/2010/main" val="984902709"/>
+        <p14:creationId xmlns:p14="http://schemas.microsoft.com/office/powerpoint/2010/main" val="2173524347"/>
       </p:ext>
     </p:extLst>
   </p:cSld>

--- a/프론트엔드기초(PPT)/HTML5 2강_텍스트관련태그.pptx
+++ b/프론트엔드기초(PPT)/HTML5 2강_텍스트관련태그.pptx
@@ -3360,14 +3360,7 @@
                 <a:latin typeface="배달의민족 주아" pitchFamily="18" charset="-127"/>
                 <a:ea typeface="배달의민족 주아" pitchFamily="18" charset="-127"/>
               </a:rPr>
-              <a:t>&lt;p</a:t>
-            </a:r>
-            <a:r>
-              <a:rPr lang="en-US" altLang="ko-KR" sz="3600" dirty="0" smtClean="0">
-                <a:latin typeface="배달의민족 주아" pitchFamily="18" charset="-127"/>
-                <a:ea typeface="배달의민족 주아" pitchFamily="18" charset="-127"/>
-              </a:rPr>
-              <a:t>&gt; </a:t>
+              <a:t>&lt;p&gt; </a:t>
             </a:r>
             <a:br>
               <a:rPr lang="en-US" altLang="ko-KR" sz="3600" dirty="0" smtClean="0">
@@ -3524,14 +3517,7 @@
                 <a:latin typeface="배달의민족 주아" pitchFamily="18" charset="-127"/>
                 <a:ea typeface="배달의민족 주아" pitchFamily="18" charset="-127"/>
               </a:rPr>
-              <a:t>&lt;/</a:t>
-            </a:r>
-            <a:r>
-              <a:rPr lang="en-US" altLang="ko-KR" sz="3600" dirty="0" smtClean="0">
-                <a:latin typeface="배달의민족 주아" pitchFamily="18" charset="-127"/>
-                <a:ea typeface="배달의민족 주아" pitchFamily="18" charset="-127"/>
-              </a:rPr>
-              <a:t>p&gt;</a:t>
+              <a:t>&lt;/p&gt;</a:t>
             </a:r>
             <a:endParaRPr lang="ko-KR" altLang="en-US" sz="3600" dirty="0">
               <a:latin typeface="배달의민족 주아" pitchFamily="18" charset="-127"/>
@@ -3907,42 +3893,21 @@
                 <a:latin typeface="배달의민족 주아" pitchFamily="18" charset="-127"/>
                 <a:ea typeface="배달의민족 주아" pitchFamily="18" charset="-127"/>
               </a:rPr>
-              <a:t>&lt;p</a:t>
+              <a:t>&lt;p&gt; </a:t>
+            </a:r>
+            <a:r>
+              <a:rPr lang="ko-KR" altLang="en-US" sz="3600" dirty="0" smtClean="0">
+                <a:latin typeface="배달의민족 주아" pitchFamily="18" charset="-127"/>
+                <a:ea typeface="배달의민족 주아" pitchFamily="18" charset="-127"/>
+              </a:rPr>
+              <a:t>아래 내용과 구분하고 싶어요</a:t>
             </a:r>
             <a:r>
               <a:rPr lang="en-US" altLang="ko-KR" sz="3600" dirty="0" smtClean="0">
                 <a:latin typeface="배달의민족 주아" pitchFamily="18" charset="-127"/>
                 <a:ea typeface="배달의민족 주아" pitchFamily="18" charset="-127"/>
               </a:rPr>
-              <a:t>&gt; </a:t>
-            </a:r>
-            <a:r>
-              <a:rPr lang="ko-KR" altLang="en-US" sz="3600" dirty="0" smtClean="0">
-                <a:latin typeface="배달의민족 주아" pitchFamily="18" charset="-127"/>
-                <a:ea typeface="배달의민족 주아" pitchFamily="18" charset="-127"/>
-              </a:rPr>
-              <a:t>아래 내용과 구분하고 싶어요</a:t>
-            </a:r>
-            <a:r>
-              <a:rPr lang="en-US" altLang="ko-KR" sz="3600" dirty="0" smtClean="0">
-                <a:latin typeface="배달의민족 주아" pitchFamily="18" charset="-127"/>
-                <a:ea typeface="배달의민족 주아" pitchFamily="18" charset="-127"/>
-              </a:rPr>
-              <a:t>.&lt;/</a:t>
-            </a:r>
-            <a:r>
-              <a:rPr lang="en-US" altLang="ko-KR" sz="3600" dirty="0" smtClean="0">
-                <a:latin typeface="배달의민족 주아" pitchFamily="18" charset="-127"/>
-                <a:ea typeface="배달의민족 주아" pitchFamily="18" charset="-127"/>
-              </a:rPr>
-              <a:t>p</a:t>
-            </a:r>
-            <a:r>
-              <a:rPr lang="en-US" altLang="ko-KR" sz="3600" dirty="0" smtClean="0">
-                <a:latin typeface="배달의민족 주아" pitchFamily="18" charset="-127"/>
-                <a:ea typeface="배달의민족 주아" pitchFamily="18" charset="-127"/>
-              </a:rPr>
-              <a:t>&gt;</a:t>
+              <a:t>.&lt;/p&gt;</a:t>
             </a:r>
             <a:br>
               <a:rPr lang="en-US" altLang="ko-KR" sz="3600" dirty="0" smtClean="0">
@@ -4058,14 +4023,7 @@
                 <a:latin typeface="배달의민족 주아" pitchFamily="18" charset="-127"/>
                 <a:ea typeface="배달의민족 주아" pitchFamily="18" charset="-127"/>
               </a:rPr>
-              <a:t>표현할 때 </a:t>
-            </a:r>
-            <a:r>
-              <a:rPr lang="ko-KR" altLang="en-US" sz="3600" dirty="0" smtClean="0">
-                <a:latin typeface="배달의민족 주아" pitchFamily="18" charset="-127"/>
-                <a:ea typeface="배달의민족 주아" pitchFamily="18" charset="-127"/>
-              </a:rPr>
-              <a:t>사용</a:t>
+              <a:t>표현할 때 사용</a:t>
             </a:r>
             <a:endParaRPr lang="en-US" altLang="ko-KR" sz="3600" dirty="0" smtClean="0">
               <a:latin typeface="배달의민족 주아" pitchFamily="18" charset="-127"/>
@@ -7533,49 +7491,35 @@
                 <a:latin typeface="배달의민족 주아" pitchFamily="18" charset="-127"/>
                 <a:ea typeface="배달의민족 주아" pitchFamily="18" charset="-127"/>
               </a:rPr>
-              <a:t>&lt;p&gt; </a:t>
+              <a:t>&lt;p&gt; &lt;i&gt;</a:t>
+            </a:r>
+            <a:r>
+              <a:rPr lang="ko-KR" altLang="en-US" sz="3600" dirty="0" smtClean="0">
+                <a:latin typeface="배달의민족 주아" pitchFamily="18" charset="-127"/>
+                <a:ea typeface="배달의민족 주아" pitchFamily="18" charset="-127"/>
+              </a:rPr>
+              <a:t>강조된</a:t>
             </a:r>
             <a:r>
               <a:rPr lang="en-US" altLang="ko-KR" sz="3600" dirty="0" smtClean="0">
                 <a:latin typeface="배달의민족 주아" pitchFamily="18" charset="-127"/>
                 <a:ea typeface="배달의민족 주아" pitchFamily="18" charset="-127"/>
               </a:rPr>
-              <a:t>&lt;i&gt;</a:t>
+              <a:t>&lt;/i&gt; </a:t>
             </a:r>
             <a:r>
               <a:rPr lang="ko-KR" altLang="en-US" sz="3600" dirty="0" smtClean="0">
                 <a:latin typeface="배달의민족 주아" pitchFamily="18" charset="-127"/>
                 <a:ea typeface="배달의민족 주아" pitchFamily="18" charset="-127"/>
               </a:rPr>
-              <a:t>강조된</a:t>
+              <a:t>글씨입니다</a:t>
             </a:r>
             <a:r>
               <a:rPr lang="en-US" altLang="ko-KR" sz="3600" dirty="0" smtClean="0">
                 <a:latin typeface="배달의민족 주아" pitchFamily="18" charset="-127"/>
                 <a:ea typeface="배달의민족 주아" pitchFamily="18" charset="-127"/>
               </a:rPr>
-              <a:t>&lt;/i&gt; </a:t>
-            </a:r>
-            <a:r>
-              <a:rPr lang="ko-KR" altLang="en-US" sz="3600" dirty="0" smtClean="0">
-                <a:latin typeface="배달의민족 주아" pitchFamily="18" charset="-127"/>
-                <a:ea typeface="배달의민족 주아" pitchFamily="18" charset="-127"/>
-              </a:rPr>
-              <a:t>글씨입니다</a:t>
-            </a:r>
-            <a:r>
-              <a:rPr lang="en-US" altLang="ko-KR" sz="3600" dirty="0" smtClean="0">
-                <a:latin typeface="배달의민족 주아" pitchFamily="18" charset="-127"/>
-                <a:ea typeface="배달의민족 주아" pitchFamily="18" charset="-127"/>
-              </a:rPr>
-              <a:t> &lt;/</a:t>
-            </a:r>
-            <a:r>
-              <a:rPr lang="en-US" altLang="ko-KR" sz="3600" dirty="0" smtClean="0">
-                <a:latin typeface="배달의민족 주아" pitchFamily="18" charset="-127"/>
-                <a:ea typeface="배달의민족 주아" pitchFamily="18" charset="-127"/>
-              </a:rPr>
-              <a:t>p&gt;</a:t>
+              <a:t> &lt;/p&gt;</a:t>
             </a:r>
             <a:endParaRPr lang="ko-KR" altLang="en-US" sz="3600" dirty="0">
               <a:latin typeface="배달의민족 주아" pitchFamily="18" charset="-127"/>
@@ -7654,14 +7598,7 @@
                 <a:latin typeface="배달의민족 주아" pitchFamily="18" charset="-127"/>
                 <a:ea typeface="배달의민족 주아" pitchFamily="18" charset="-127"/>
               </a:rPr>
-              <a:t> 표현할 </a:t>
-            </a:r>
-            <a:r>
-              <a:rPr lang="ko-KR" altLang="en-US" sz="3600" dirty="0" smtClean="0">
-                <a:latin typeface="배달의민족 주아" pitchFamily="18" charset="-127"/>
-                <a:ea typeface="배달의민족 주아" pitchFamily="18" charset="-127"/>
-              </a:rPr>
-              <a:t>때 사용</a:t>
+              <a:t> 표현할 때 사용</a:t>
             </a:r>
             <a:endParaRPr lang="en-US" altLang="ko-KR" sz="3600" dirty="0" smtClean="0">
               <a:latin typeface="배달의민족 주아" pitchFamily="18" charset="-127"/>
@@ -8088,49 +8025,35 @@
                 <a:latin typeface="배달의민족 주아" pitchFamily="18" charset="-127"/>
                 <a:ea typeface="배달의민족 주아" pitchFamily="18" charset="-127"/>
               </a:rPr>
-              <a:t>&lt;p&gt; </a:t>
+              <a:t>&lt;p&gt; &lt;b&gt;</a:t>
+            </a:r>
+            <a:r>
+              <a:rPr lang="ko-KR" altLang="en-US" sz="3600" dirty="0" smtClean="0">
+                <a:latin typeface="배달의민족 주아" pitchFamily="18" charset="-127"/>
+                <a:ea typeface="배달의민족 주아" pitchFamily="18" charset="-127"/>
+              </a:rPr>
+              <a:t>굵은</a:t>
             </a:r>
             <a:r>
               <a:rPr lang="en-US" altLang="ko-KR" sz="3600" dirty="0" smtClean="0">
                 <a:latin typeface="배달의민족 주아" pitchFamily="18" charset="-127"/>
                 <a:ea typeface="배달의민족 주아" pitchFamily="18" charset="-127"/>
               </a:rPr>
-              <a:t>&lt;b&gt;</a:t>
+              <a:t>&lt;/b&gt; </a:t>
             </a:r>
             <a:r>
               <a:rPr lang="ko-KR" altLang="en-US" sz="3600" dirty="0" smtClean="0">
                 <a:latin typeface="배달의민족 주아" pitchFamily="18" charset="-127"/>
                 <a:ea typeface="배달의민족 주아" pitchFamily="18" charset="-127"/>
               </a:rPr>
-              <a:t>굵은</a:t>
+              <a:t>글씨입니다</a:t>
             </a:r>
             <a:r>
               <a:rPr lang="en-US" altLang="ko-KR" sz="3600" dirty="0" smtClean="0">
                 <a:latin typeface="배달의민족 주아" pitchFamily="18" charset="-127"/>
                 <a:ea typeface="배달의민족 주아" pitchFamily="18" charset="-127"/>
               </a:rPr>
-              <a:t>&lt;/b&gt; </a:t>
-            </a:r>
-            <a:r>
-              <a:rPr lang="ko-KR" altLang="en-US" sz="3600" dirty="0" smtClean="0">
-                <a:latin typeface="배달의민족 주아" pitchFamily="18" charset="-127"/>
-                <a:ea typeface="배달의민족 주아" pitchFamily="18" charset="-127"/>
-              </a:rPr>
-              <a:t>글씨입니다</a:t>
-            </a:r>
-            <a:r>
-              <a:rPr lang="en-US" altLang="ko-KR" sz="3600" dirty="0" smtClean="0">
-                <a:latin typeface="배달의민족 주아" pitchFamily="18" charset="-127"/>
-                <a:ea typeface="배달의민족 주아" pitchFamily="18" charset="-127"/>
-              </a:rPr>
-              <a:t> &lt;/</a:t>
-            </a:r>
-            <a:r>
-              <a:rPr lang="en-US" altLang="ko-KR" sz="3600" dirty="0" smtClean="0">
-                <a:latin typeface="배달의민족 주아" pitchFamily="18" charset="-127"/>
-                <a:ea typeface="배달의민족 주아" pitchFamily="18" charset="-127"/>
-              </a:rPr>
-              <a:t>p&gt;</a:t>
+              <a:t> &lt;/p&gt;</a:t>
             </a:r>
             <a:endParaRPr lang="ko-KR" altLang="en-US" sz="3600" dirty="0">
               <a:latin typeface="배달의민족 주아" pitchFamily="18" charset="-127"/>
@@ -8192,14 +8115,7 @@
                 <a:latin typeface="배달의민족 주아" pitchFamily="18" charset="-127"/>
                 <a:ea typeface="배달의민족 주아" pitchFamily="18" charset="-127"/>
               </a:rPr>
-              <a:t> 표현할 </a:t>
-            </a:r>
-            <a:r>
-              <a:rPr lang="ko-KR" altLang="en-US" sz="3600" dirty="0" smtClean="0">
-                <a:latin typeface="배달의민족 주아" pitchFamily="18" charset="-127"/>
-                <a:ea typeface="배달의민족 주아" pitchFamily="18" charset="-127"/>
-              </a:rPr>
-              <a:t>때 사용</a:t>
+              <a:t> 표현할 때 사용</a:t>
             </a:r>
             <a:endParaRPr lang="en-US" altLang="ko-KR" sz="3600" dirty="0" smtClean="0">
               <a:latin typeface="배달의민족 주아" pitchFamily="18" charset="-127"/>

--- a/프론트엔드기초(PPT)/HTML5 2강_텍스트관련태그.pptx
+++ b/프론트엔드기초(PPT)/HTML5 2강_텍스트관련태그.pptx
@@ -304,7 +304,7 @@
           <a:p>
             <a:fld id="{FB30EDBD-1C2D-4C1E-B459-B60219FAB484}" type="datetimeFigureOut">
               <a:rPr lang="ko-KR" altLang="en-US" smtClean="0"/>
-              <a:t>2020-09-07</a:t>
+              <a:t>2020-09-08</a:t>
             </a:fld>
             <a:endParaRPr lang="ko-KR" altLang="en-US"/>
           </a:p>
@@ -469,7 +469,7 @@
           <a:p>
             <a:fld id="{FB30EDBD-1C2D-4C1E-B459-B60219FAB484}" type="datetimeFigureOut">
               <a:rPr lang="ko-KR" altLang="en-US" smtClean="0"/>
-              <a:t>2020-09-07</a:t>
+              <a:t>2020-09-08</a:t>
             </a:fld>
             <a:endParaRPr lang="ko-KR" altLang="en-US"/>
           </a:p>
@@ -644,7 +644,7 @@
           <a:p>
             <a:fld id="{FB30EDBD-1C2D-4C1E-B459-B60219FAB484}" type="datetimeFigureOut">
               <a:rPr lang="ko-KR" altLang="en-US" smtClean="0"/>
-              <a:t>2020-09-07</a:t>
+              <a:t>2020-09-08</a:t>
             </a:fld>
             <a:endParaRPr lang="ko-KR" altLang="en-US"/>
           </a:p>
@@ -809,7 +809,7 @@
           <a:p>
             <a:fld id="{FB30EDBD-1C2D-4C1E-B459-B60219FAB484}" type="datetimeFigureOut">
               <a:rPr lang="ko-KR" altLang="en-US" smtClean="0"/>
-              <a:t>2020-09-07</a:t>
+              <a:t>2020-09-08</a:t>
             </a:fld>
             <a:endParaRPr lang="ko-KR" altLang="en-US"/>
           </a:p>
@@ -1050,7 +1050,7 @@
           <a:p>
             <a:fld id="{FB30EDBD-1C2D-4C1E-B459-B60219FAB484}" type="datetimeFigureOut">
               <a:rPr lang="ko-KR" altLang="en-US" smtClean="0"/>
-              <a:t>2020-09-07</a:t>
+              <a:t>2020-09-08</a:t>
             </a:fld>
             <a:endParaRPr lang="ko-KR" altLang="en-US"/>
           </a:p>
@@ -1333,7 +1333,7 @@
           <a:p>
             <a:fld id="{FB30EDBD-1C2D-4C1E-B459-B60219FAB484}" type="datetimeFigureOut">
               <a:rPr lang="ko-KR" altLang="en-US" smtClean="0"/>
-              <a:t>2020-09-07</a:t>
+              <a:t>2020-09-08</a:t>
             </a:fld>
             <a:endParaRPr lang="ko-KR" altLang="en-US"/>
           </a:p>
@@ -1750,7 +1750,7 @@
           <a:p>
             <a:fld id="{FB30EDBD-1C2D-4C1E-B459-B60219FAB484}" type="datetimeFigureOut">
               <a:rPr lang="ko-KR" altLang="en-US" smtClean="0"/>
-              <a:t>2020-09-07</a:t>
+              <a:t>2020-09-08</a:t>
             </a:fld>
             <a:endParaRPr lang="ko-KR" altLang="en-US"/>
           </a:p>
@@ -1863,7 +1863,7 @@
           <a:p>
             <a:fld id="{FB30EDBD-1C2D-4C1E-B459-B60219FAB484}" type="datetimeFigureOut">
               <a:rPr lang="ko-KR" altLang="en-US" smtClean="0"/>
-              <a:t>2020-09-07</a:t>
+              <a:t>2020-09-08</a:t>
             </a:fld>
             <a:endParaRPr lang="ko-KR" altLang="en-US"/>
           </a:p>
@@ -1953,7 +1953,7 @@
           <a:p>
             <a:fld id="{FB30EDBD-1C2D-4C1E-B459-B60219FAB484}" type="datetimeFigureOut">
               <a:rPr lang="ko-KR" altLang="en-US" smtClean="0"/>
-              <a:t>2020-09-07</a:t>
+              <a:t>2020-09-08</a:t>
             </a:fld>
             <a:endParaRPr lang="ko-KR" altLang="en-US"/>
           </a:p>
@@ -2225,7 +2225,7 @@
           <a:p>
             <a:fld id="{FB30EDBD-1C2D-4C1E-B459-B60219FAB484}" type="datetimeFigureOut">
               <a:rPr lang="ko-KR" altLang="en-US" smtClean="0"/>
-              <a:t>2020-09-07</a:t>
+              <a:t>2020-09-08</a:t>
             </a:fld>
             <a:endParaRPr lang="ko-KR" altLang="en-US"/>
           </a:p>
@@ -2473,7 +2473,7 @@
           <a:p>
             <a:fld id="{FB30EDBD-1C2D-4C1E-B459-B60219FAB484}" type="datetimeFigureOut">
               <a:rPr lang="ko-KR" altLang="en-US" smtClean="0"/>
-              <a:t>2020-09-07</a:t>
+              <a:t>2020-09-08</a:t>
             </a:fld>
             <a:endParaRPr lang="ko-KR" altLang="en-US"/>
           </a:p>
@@ -2681,7 +2681,7 @@
           <a:p>
             <a:fld id="{FB30EDBD-1C2D-4C1E-B459-B60219FAB484}" type="datetimeFigureOut">
               <a:rPr lang="ko-KR" altLang="en-US" smtClean="0"/>
-              <a:t>2020-09-07</a:t>
+              <a:t>2020-09-08</a:t>
             </a:fld>
             <a:endParaRPr lang="ko-KR" altLang="en-US"/>
           </a:p>
@@ -3037,6 +3037,14 @@
 <file path=ppt/slides/slide1.xml><?xml version="1.0" encoding="utf-8"?>
 <p:sld xmlns:a="http://schemas.openxmlformats.org/drawingml/2006/main" xmlns:r="http://schemas.openxmlformats.org/officeDocument/2006/relationships" xmlns:p="http://schemas.openxmlformats.org/presentationml/2006/main">
   <p:cSld>
+    <p:bg>
+      <p:bgPr>
+        <a:solidFill>
+          <a:schemeClr val="accent5"/>
+        </a:solidFill>
+        <a:effectLst/>
+      </p:bgPr>
+    </p:bg>
     <p:spTree>
       <p:nvGrpSpPr>
         <p:cNvPr id="1" name=""/>
@@ -3071,7 +3079,7 @@
             <a:r>
               <a:rPr lang="en-US" altLang="ko-KR" sz="2800" dirty="0" smtClean="0">
                 <a:solidFill>
-                  <a:schemeClr val="accent5"/>
+                  <a:schemeClr val="bg1"/>
                 </a:solidFill>
                 <a:latin typeface="배달의민족 주아" pitchFamily="18" charset="-127"/>
                 <a:ea typeface="배달의민족 주아" pitchFamily="18" charset="-127"/>
@@ -3081,7 +3089,7 @@
             <a:r>
               <a:rPr lang="ko-KR" altLang="en-US" sz="2800" dirty="0" smtClean="0">
                 <a:solidFill>
-                  <a:schemeClr val="accent5"/>
+                  <a:schemeClr val="bg1"/>
                 </a:solidFill>
                 <a:latin typeface="배달의민족 주아" pitchFamily="18" charset="-127"/>
                 <a:ea typeface="배달의민족 주아" pitchFamily="18" charset="-127"/>
@@ -3091,7 +3099,7 @@
             <a:r>
               <a:rPr lang="en-US" altLang="ko-KR" sz="2800" dirty="0" smtClean="0">
                 <a:solidFill>
-                  <a:schemeClr val="accent5"/>
+                  <a:schemeClr val="bg1"/>
                 </a:solidFill>
                 <a:latin typeface="배달의민족 주아" pitchFamily="18" charset="-127"/>
                 <a:ea typeface="배달의민족 주아" pitchFamily="18" charset="-127"/>
@@ -3101,7 +3109,7 @@
             <a:br>
               <a:rPr lang="en-US" altLang="ko-KR" sz="2800" dirty="0" smtClean="0">
                 <a:solidFill>
-                  <a:schemeClr val="accent5"/>
+                  <a:schemeClr val="bg1"/>
                 </a:solidFill>
                 <a:latin typeface="배달의민족 주아" pitchFamily="18" charset="-127"/>
                 <a:ea typeface="배달의민족 주아" pitchFamily="18" charset="-127"/>
@@ -3122,12 +3130,18 @@
             </a:br>
             <a:r>
               <a:rPr lang="ko-KR" altLang="en-US" dirty="0" smtClean="0">
+                <a:solidFill>
+                  <a:schemeClr val="bg1"/>
+                </a:solidFill>
                 <a:latin typeface="배달의민족 주아" pitchFamily="18" charset="-127"/>
                 <a:ea typeface="배달의민족 주아" pitchFamily="18" charset="-127"/>
               </a:rPr>
               <a:t>텍스트관련 태그</a:t>
             </a:r>
             <a:endParaRPr lang="ko-KR" altLang="en-US" dirty="0">
+              <a:solidFill>
+                <a:schemeClr val="bg1"/>
+              </a:solidFill>
               <a:latin typeface="배달의민족 주아" pitchFamily="18" charset="-127"/>
               <a:ea typeface="배달의민족 주아" pitchFamily="18" charset="-127"/>
             </a:endParaRPr>
@@ -3253,7 +3267,7 @@
             <a:r>
               <a:rPr lang="en-US" altLang="ko-KR" dirty="0" smtClean="0">
                 <a:solidFill>
-                  <a:schemeClr val="accent5"/>
+                  <a:schemeClr val="bg1"/>
                 </a:solidFill>
                 <a:latin typeface="배달의민족 도현" pitchFamily="50" charset="-127"/>
                 <a:ea typeface="배달의민족 도현" pitchFamily="50" charset="-127"/>
@@ -3270,7 +3284,7 @@
             <a:r>
               <a:rPr lang="en-US" altLang="ko-KR" dirty="0" smtClean="0">
                 <a:solidFill>
-                  <a:schemeClr val="accent5"/>
+                  <a:schemeClr val="bg1"/>
                 </a:solidFill>
                 <a:latin typeface="배달의민족 도현" pitchFamily="50" charset="-127"/>
                 <a:ea typeface="배달의민족 도현" pitchFamily="50" charset="-127"/>
